--- a/doc/chart_template.pptx
+++ b/doc/chart_template.pptx
@@ -115,7 +115,7 @@
 <file path=ppt/revisionInfo.xml><?xml version="1.0" encoding="utf-8"?>
 <p1510:revInfo xmlns:a="http://schemas.openxmlformats.org/drawingml/2006/main" xmlns:r="http://schemas.openxmlformats.org/officeDocument/2006/relationships" xmlns:p1510="http://schemas.microsoft.com/office/powerpoint/2015/10/main">
   <p1510:revLst>
-    <p1510:client id="{34C5BAA8-FE2E-441E-9BFF-C851BECEA749}" v="19" dt="2019-07-29T14:02:06.178"/>
+    <p1510:client id="{34C5BAA8-FE2E-441E-9BFF-C851BECEA749}" v="28" dt="2019-07-29T14:18:47.287"/>
     <p1510:client id="{C22495A6-2D62-4BD6-B0AE-44E64BEEFAB7}" v="86" dt="2019-07-29T13:26:16.018"/>
   </p1510:revLst>
 </p1510:revInfo>
@@ -126,18 +126,18 @@
   <pc:docChgLst>
     <pc:chgData name="Brian Gulbis" userId="8ed87ac563b1c39d" providerId="LiveId" clId="{34C5BAA8-FE2E-441E-9BFF-C851BECEA749}"/>
     <pc:docChg chg="modSld">
-      <pc:chgData name="Brian Gulbis" userId="8ed87ac563b1c39d" providerId="LiveId" clId="{34C5BAA8-FE2E-441E-9BFF-C851BECEA749}" dt="2019-07-29T13:57:58.519" v="6" actId="207"/>
+      <pc:chgData name="Brian Gulbis" userId="8ed87ac563b1c39d" providerId="LiveId" clId="{34C5BAA8-FE2E-441E-9BFF-C851BECEA749}" dt="2019-07-29T14:18:20.526" v="13"/>
       <pc:docMkLst>
         <pc:docMk/>
       </pc:docMkLst>
       <pc:sldChg chg="modSp mod">
-        <pc:chgData name="Brian Gulbis" userId="8ed87ac563b1c39d" providerId="LiveId" clId="{34C5BAA8-FE2E-441E-9BFF-C851BECEA749}" dt="2019-07-29T13:57:58.519" v="6" actId="207"/>
+        <pc:chgData name="Brian Gulbis" userId="8ed87ac563b1c39d" providerId="LiveId" clId="{34C5BAA8-FE2E-441E-9BFF-C851BECEA749}" dt="2019-07-29T14:18:20.526" v="13"/>
         <pc:sldMkLst>
           <pc:docMk/>
           <pc:sldMk cId="3291821820" sldId="256"/>
         </pc:sldMkLst>
         <pc:graphicFrameChg chg="mod">
-          <ac:chgData name="Brian Gulbis" userId="8ed87ac563b1c39d" providerId="LiveId" clId="{34C5BAA8-FE2E-441E-9BFF-C851BECEA749}" dt="2019-07-29T13:57:58.519" v="6" actId="207"/>
+          <ac:chgData name="Brian Gulbis" userId="8ed87ac563b1c39d" providerId="LiveId" clId="{34C5BAA8-FE2E-441E-9BFF-C851BECEA749}" dt="2019-07-29T14:18:20.526" v="13"/>
           <ac:graphicFrameMkLst>
             <pc:docMk/>
             <pc:sldMk cId="3291821820" sldId="256"/>
@@ -833,6 +833,220 @@
           <c:extLst>
             <c:ext xmlns:c16="http://schemas.microsoft.com/office/drawing/2014/chart" uri="{C3380CC4-5D6E-409C-BE32-E72D297353CC}">
               <c16:uniqueId val="{00000002-709A-4749-90F8-8A9C58D95792}"/>
+            </c:ext>
+          </c:extLst>
+        </c:ser>
+        <c:ser>
+          <c:idx val="3"/>
+          <c:order val="3"/>
+          <c:tx>
+            <c:strRef>
+              <c:f>Sheet1!$E$1</c:f>
+              <c:strCache>
+                <c:ptCount val="1"/>
+                <c:pt idx="0">
+                  <c:v>FY2016</c:v>
+                </c:pt>
+              </c:strCache>
+            </c:strRef>
+          </c:tx>
+          <c:spPr>
+            <a:ln w="28575" cap="rnd">
+              <a:solidFill>
+                <a:schemeClr val="accent3">
+                  <a:lumMod val="40000"/>
+                  <a:lumOff val="60000"/>
+                </a:schemeClr>
+              </a:solidFill>
+              <a:round/>
+            </a:ln>
+            <a:effectLst/>
+          </c:spPr>
+          <c:marker>
+            <c:symbol val="none"/>
+          </c:marker>
+          <c:dLbls>
+            <c:dLbl>
+              <c:idx val="0"/>
+              <c:dLblPos val="t"/>
+              <c:showLegendKey val="0"/>
+              <c:showVal val="0"/>
+              <c:showCatName val="0"/>
+              <c:showSerName val="1"/>
+              <c:showPercent val="0"/>
+              <c:showBubbleSize val="0"/>
+              <c:extLst>
+                <c:ext xmlns:c15="http://schemas.microsoft.com/office/drawing/2012/chart" uri="{CE6537A1-D6FC-4f65-9D91-7224C49458BB}"/>
+                <c:ext xmlns:c16="http://schemas.microsoft.com/office/drawing/2014/chart" uri="{C3380CC4-5D6E-409C-BE32-E72D297353CC}">
+                  <c16:uniqueId val="{00000002-4B21-4DE2-9A2B-20D0D818C198}"/>
+                </c:ext>
+              </c:extLst>
+            </c:dLbl>
+            <c:dLbl>
+              <c:idx val="11"/>
+              <c:showLegendKey val="0"/>
+              <c:showVal val="1"/>
+              <c:showCatName val="0"/>
+              <c:showSerName val="0"/>
+              <c:showPercent val="0"/>
+              <c:showBubbleSize val="0"/>
+              <c:extLst>
+                <c:ext xmlns:c15="http://schemas.microsoft.com/office/drawing/2012/chart" uri="{CE6537A1-D6FC-4f65-9D91-7224C49458BB}"/>
+                <c:ext xmlns:c16="http://schemas.microsoft.com/office/drawing/2014/chart" uri="{C3380CC4-5D6E-409C-BE32-E72D297353CC}">
+                  <c16:uniqueId val="{00000001-4B21-4DE2-9A2B-20D0D818C198}"/>
+                </c:ext>
+              </c:extLst>
+            </c:dLbl>
+            <c:numFmt formatCode="#,##0" sourceLinked="0"/>
+            <c:spPr>
+              <a:noFill/>
+              <a:ln>
+                <a:noFill/>
+              </a:ln>
+              <a:effectLst/>
+            </c:spPr>
+            <c:txPr>
+              <a:bodyPr rot="0" spcFirstLastPara="1" vertOverflow="ellipsis" vert="horz" wrap="square" lIns="38100" tIns="19050" rIns="38100" bIns="19050" anchor="ctr" anchorCtr="1">
+                <a:spAutoFit/>
+              </a:bodyPr>
+              <a:lstStyle/>
+              <a:p>
+                <a:pPr>
+                  <a:defRPr sz="1197" b="0" i="0" u="none" strike="noStrike" kern="1200" baseline="0">
+                    <a:solidFill>
+                      <a:schemeClr val="accent3">
+                        <a:lumMod val="40000"/>
+                        <a:lumOff val="60000"/>
+                      </a:schemeClr>
+                    </a:solidFill>
+                    <a:latin typeface="+mn-lt"/>
+                    <a:ea typeface="+mn-ea"/>
+                    <a:cs typeface="+mn-cs"/>
+                  </a:defRPr>
+                </a:pPr>
+                <a:endParaRPr lang="en-US"/>
+              </a:p>
+            </c:txPr>
+            <c:showLegendKey val="0"/>
+            <c:showVal val="0"/>
+            <c:showCatName val="0"/>
+            <c:showSerName val="0"/>
+            <c:showPercent val="0"/>
+            <c:showBubbleSize val="0"/>
+            <c:extLst>
+              <c:ext xmlns:c15="http://schemas.microsoft.com/office/drawing/2012/chart" uri="{CE6537A1-D6FC-4f65-9D91-7224C49458BB}">
+                <c15:showLeaderLines val="1"/>
+                <c15:leaderLines>
+                  <c:spPr>
+                    <a:ln w="9525" cap="flat" cmpd="sng" algn="ctr">
+                      <a:solidFill>
+                        <a:schemeClr val="tx1">
+                          <a:lumMod val="35000"/>
+                          <a:lumOff val="65000"/>
+                        </a:schemeClr>
+                      </a:solidFill>
+                      <a:round/>
+                    </a:ln>
+                    <a:effectLst/>
+                  </c:spPr>
+                </c15:leaderLines>
+              </c:ext>
+            </c:extLst>
+          </c:dLbls>
+          <c:cat>
+            <c:numRef>
+              <c:f>Sheet1!$A$2:$A$13</c:f>
+              <c:numCache>
+                <c:formatCode>m/d/yyyy</c:formatCode>
+                <c:ptCount val="12"/>
+                <c:pt idx="0">
+                  <c:v>43647</c:v>
+                </c:pt>
+                <c:pt idx="1">
+                  <c:v>43678</c:v>
+                </c:pt>
+                <c:pt idx="2">
+                  <c:v>43709</c:v>
+                </c:pt>
+                <c:pt idx="3">
+                  <c:v>43739</c:v>
+                </c:pt>
+                <c:pt idx="4">
+                  <c:v>43770</c:v>
+                </c:pt>
+                <c:pt idx="5">
+                  <c:v>43800</c:v>
+                </c:pt>
+                <c:pt idx="6">
+                  <c:v>43831</c:v>
+                </c:pt>
+                <c:pt idx="7">
+                  <c:v>43862</c:v>
+                </c:pt>
+                <c:pt idx="8">
+                  <c:v>43891</c:v>
+                </c:pt>
+                <c:pt idx="9">
+                  <c:v>43922</c:v>
+                </c:pt>
+                <c:pt idx="10">
+                  <c:v>43952</c:v>
+                </c:pt>
+                <c:pt idx="11">
+                  <c:v>43983</c:v>
+                </c:pt>
+              </c:numCache>
+            </c:numRef>
+          </c:cat>
+          <c:val>
+            <c:numRef>
+              <c:f>Sheet1!$E$2:$E$13</c:f>
+              <c:numCache>
+                <c:formatCode>General</c:formatCode>
+                <c:ptCount val="12"/>
+                <c:pt idx="0">
+                  <c:v>3200</c:v>
+                </c:pt>
+                <c:pt idx="1">
+                  <c:v>3200</c:v>
+                </c:pt>
+                <c:pt idx="2">
+                  <c:v>3200</c:v>
+                </c:pt>
+                <c:pt idx="3">
+                  <c:v>3200</c:v>
+                </c:pt>
+                <c:pt idx="4">
+                  <c:v>3200</c:v>
+                </c:pt>
+                <c:pt idx="5">
+                  <c:v>3200</c:v>
+                </c:pt>
+                <c:pt idx="6">
+                  <c:v>3200</c:v>
+                </c:pt>
+                <c:pt idx="7">
+                  <c:v>3200</c:v>
+                </c:pt>
+                <c:pt idx="8">
+                  <c:v>3200</c:v>
+                </c:pt>
+                <c:pt idx="9">
+                  <c:v>3200</c:v>
+                </c:pt>
+                <c:pt idx="10">
+                  <c:v>3200</c:v>
+                </c:pt>
+                <c:pt idx="11">
+                  <c:v>3200</c:v>
+                </c:pt>
+              </c:numCache>
+            </c:numRef>
+          </c:val>
+          <c:smooth val="0"/>
+          <c:extLst>
+            <c:ext xmlns:c16="http://schemas.microsoft.com/office/drawing/2014/chart" uri="{C3380CC4-5D6E-409C-BE32-E72D297353CC}">
+              <c16:uniqueId val="{00000000-4B21-4DE2-9A2B-20D0D818C198}"/>
             </c:ext>
           </c:extLst>
         </c:ser>
@@ -4442,7 +4656,7 @@
           <p:nvPr>
             <p:extLst>
               <p:ext uri="{D42A27DB-BD31-4B8C-83A1-F6EECF244321}">
-                <p14:modId xmlns:p14="http://schemas.microsoft.com/office/powerpoint/2010/main" val="863346843"/>
+                <p14:modId xmlns:p14="http://schemas.microsoft.com/office/powerpoint/2010/main" val="888843479"/>
               </p:ext>
             </p:extLst>
           </p:nvPr>

--- a/doc/chart_template.pptx
+++ b/doc/chart_template.pptx
@@ -6,6 +6,7 @@
   </p:sldMasterIdLst>
   <p:sldIdLst>
     <p:sldId id="256" r:id="rId2"/>
+    <p:sldId id="257" r:id="rId3"/>
   </p:sldIdLst>
   <p:sldSz cx="9144000" cy="6858000" type="screen4x3"/>
   <p:notesSz cx="6858000" cy="9144000"/>
@@ -115,8 +116,7 @@
 <file path=ppt/revisionInfo.xml><?xml version="1.0" encoding="utf-8"?>
 <p1510:revInfo xmlns:a="http://schemas.openxmlformats.org/drawingml/2006/main" xmlns:r="http://schemas.openxmlformats.org/officeDocument/2006/relationships" xmlns:p1510="http://schemas.microsoft.com/office/powerpoint/2015/10/main">
   <p1510:revLst>
-    <p1510:client id="{34C5BAA8-FE2E-441E-9BFF-C851BECEA749}" v="28" dt="2019-07-29T14:18:47.287"/>
-    <p1510:client id="{C22495A6-2D62-4BD6-B0AE-44E64BEEFAB7}" v="86" dt="2019-07-29T13:26:16.018"/>
+    <p1510:client id="{34C5BAA8-FE2E-441E-9BFF-C851BECEA749}" v="145" dt="2019-07-30T23:55:39.585"/>
   </p1510:revLst>
 </p1510:revInfo>
 </file>
@@ -125,23 +125,38 @@
 <pc:chgInfo xmlns:a="http://schemas.openxmlformats.org/drawingml/2006/main" xmlns:r="http://schemas.openxmlformats.org/officeDocument/2006/relationships" xmlns:ac="http://schemas.microsoft.com/office/drawing/2013/main/command" xmlns:pc="http://schemas.microsoft.com/office/powerpoint/2013/main/command">
   <pc:docChgLst>
     <pc:chgData name="Brian Gulbis" userId="8ed87ac563b1c39d" providerId="LiveId" clId="{34C5BAA8-FE2E-441E-9BFF-C851BECEA749}"/>
-    <pc:docChg chg="modSld">
-      <pc:chgData name="Brian Gulbis" userId="8ed87ac563b1c39d" providerId="LiveId" clId="{34C5BAA8-FE2E-441E-9BFF-C851BECEA749}" dt="2019-07-29T14:18:20.526" v="13"/>
+    <pc:docChg chg="addSld modSld">
+      <pc:chgData name="Brian Gulbis" userId="8ed87ac563b1c39d" providerId="LiveId" clId="{34C5BAA8-FE2E-441E-9BFF-C851BECEA749}" dt="2019-07-30T23:55:39.585" v="105" actId="207"/>
       <pc:docMkLst>
         <pc:docMk/>
       </pc:docMkLst>
       <pc:sldChg chg="modSp mod">
-        <pc:chgData name="Brian Gulbis" userId="8ed87ac563b1c39d" providerId="LiveId" clId="{34C5BAA8-FE2E-441E-9BFF-C851BECEA749}" dt="2019-07-29T14:18:20.526" v="13"/>
+        <pc:chgData name="Brian Gulbis" userId="8ed87ac563b1c39d" providerId="LiveId" clId="{34C5BAA8-FE2E-441E-9BFF-C851BECEA749}" dt="2019-07-30T23:55:39.585" v="105" actId="207"/>
         <pc:sldMkLst>
           <pc:docMk/>
           <pc:sldMk cId="3291821820" sldId="256"/>
         </pc:sldMkLst>
         <pc:graphicFrameChg chg="mod">
-          <ac:chgData name="Brian Gulbis" userId="8ed87ac563b1c39d" providerId="LiveId" clId="{34C5BAA8-FE2E-441E-9BFF-C851BECEA749}" dt="2019-07-29T14:18:20.526" v="13"/>
+          <ac:chgData name="Brian Gulbis" userId="8ed87ac563b1c39d" providerId="LiveId" clId="{34C5BAA8-FE2E-441E-9BFF-C851BECEA749}" dt="2019-07-30T23:55:39.585" v="105" actId="207"/>
           <ac:graphicFrameMkLst>
             <pc:docMk/>
             <pc:sldMk cId="3291821820" sldId="256"/>
             <ac:graphicFrameMk id="6" creationId="{C68A3D0A-4CCA-4720-9DC8-B2061E680BA0}"/>
+          </ac:graphicFrameMkLst>
+        </pc:graphicFrameChg>
+      </pc:sldChg>
+      <pc:sldChg chg="addSp modSp add mod">
+        <pc:chgData name="Brian Gulbis" userId="8ed87ac563b1c39d" providerId="LiveId" clId="{34C5BAA8-FE2E-441E-9BFF-C851BECEA749}" dt="2019-07-30T23:55:17.426" v="103" actId="207"/>
+        <pc:sldMkLst>
+          <pc:docMk/>
+          <pc:sldMk cId="2647159856" sldId="257"/>
+        </pc:sldMkLst>
+        <pc:graphicFrameChg chg="add mod">
+          <ac:chgData name="Brian Gulbis" userId="8ed87ac563b1c39d" providerId="LiveId" clId="{34C5BAA8-FE2E-441E-9BFF-C851BECEA749}" dt="2019-07-30T23:55:17.426" v="103" actId="207"/>
+          <ac:graphicFrameMkLst>
+            <pc:docMk/>
+            <pc:sldMk cId="2647159856" sldId="257"/>
+            <ac:graphicFrameMk id="5" creationId="{8CF672CF-366A-468A-93FD-F761319A27A0}"/>
           </ac:graphicFrameMkLst>
         </pc:graphicFrameChg>
       </pc:sldChg>
@@ -315,7 +330,7 @@
             <c:numRef>
               <c:f>Sheet1!$A$2:$A$13</c:f>
               <c:numCache>
-                <c:formatCode>m/d/yyyy</c:formatCode>
+                <c:formatCode>[$-409]mmmm\ yyyy;@</c:formatCode>
                 <c:ptCount val="12"/>
                 <c:pt idx="0">
                   <c:v>43647</c:v>
@@ -529,7 +544,7 @@
             <c:numRef>
               <c:f>Sheet1!$A$2:$A$13</c:f>
               <c:numCache>
-                <c:formatCode>m/d/yyyy</c:formatCode>
+                <c:formatCode>[$-409]mmmm\ yyyy;@</c:formatCode>
                 <c:ptCount val="12"/>
                 <c:pt idx="0">
                   <c:v>43647</c:v>
@@ -743,7 +758,7 @@
             <c:numRef>
               <c:f>Sheet1!$A$2:$A$13</c:f>
               <c:numCache>
-                <c:formatCode>m/d/yyyy</c:formatCode>
+                <c:formatCode>[$-409]mmmm\ yyyy;@</c:formatCode>
                 <c:ptCount val="12"/>
                 <c:pt idx="0">
                   <c:v>43647</c:v>
@@ -957,7 +972,7 @@
             <c:numRef>
               <c:f>Sheet1!$A$2:$A$13</c:f>
               <c:numCache>
-                <c:formatCode>m/d/yyyy</c:formatCode>
+                <c:formatCode>[$-409]mmmm\ yyyy;@</c:formatCode>
                 <c:ptCount val="12"/>
                 <c:pt idx="0">
                   <c:v>43647</c:v>
@@ -1228,7 +1243,2209 @@
 </c:chartSpace>
 </file>
 
+<file path=ppt/charts/chart2.xml><?xml version="1.0" encoding="utf-8"?>
+<c:chartSpace xmlns:c="http://schemas.openxmlformats.org/drawingml/2006/chart" xmlns:a="http://schemas.openxmlformats.org/drawingml/2006/main" xmlns:r="http://schemas.openxmlformats.org/officeDocument/2006/relationships" xmlns:c16r2="http://schemas.microsoft.com/office/drawing/2015/06/chart">
+  <c:date1904 val="0"/>
+  <c:lang val="en-US"/>
+  <c:roundedCorners val="0"/>
+  <mc:AlternateContent xmlns:mc="http://schemas.openxmlformats.org/markup-compatibility/2006">
+    <mc:Choice xmlns:c14="http://schemas.microsoft.com/office/drawing/2007/8/2/chart" Requires="c14">
+      <c14:style val="102"/>
+    </mc:Choice>
+    <mc:Fallback>
+      <c:style val="2"/>
+    </mc:Fallback>
+  </mc:AlternateContent>
+  <c:chart>
+    <c:title>
+      <c:overlay val="0"/>
+      <c:spPr>
+        <a:noFill/>
+        <a:ln>
+          <a:noFill/>
+        </a:ln>
+        <a:effectLst/>
+      </c:spPr>
+      <c:txPr>
+        <a:bodyPr rot="0" spcFirstLastPara="1" vertOverflow="ellipsis" vert="horz" wrap="square" anchor="ctr" anchorCtr="1"/>
+        <a:lstStyle/>
+        <a:p>
+          <a:pPr>
+            <a:defRPr sz="1862" b="0" i="0" u="none" strike="noStrike" kern="1200" spc="0" baseline="0">
+              <a:solidFill>
+                <a:schemeClr val="tx1">
+                  <a:lumMod val="75000"/>
+                  <a:lumOff val="25000"/>
+                </a:schemeClr>
+              </a:solidFill>
+              <a:latin typeface="+mn-lt"/>
+              <a:ea typeface="+mn-ea"/>
+              <a:cs typeface="+mn-cs"/>
+            </a:defRPr>
+          </a:pPr>
+          <a:endParaRPr lang="en-US"/>
+        </a:p>
+      </c:txPr>
+    </c:title>
+    <c:autoTitleDeleted val="0"/>
+    <c:plotArea>
+      <c:layout/>
+      <c:areaChart>
+        <c:grouping val="standard"/>
+        <c:varyColors val="0"/>
+        <c:ser>
+          <c:idx val="2"/>
+          <c:order val="2"/>
+          <c:tx>
+            <c:strRef>
+              <c:f>Sheet1!$D$1</c:f>
+              <c:strCache>
+                <c:ptCount val="1"/>
+                <c:pt idx="0">
+                  <c:v>Upper</c:v>
+                </c:pt>
+              </c:strCache>
+            </c:strRef>
+          </c:tx>
+          <c:spPr>
+            <a:solidFill>
+              <a:schemeClr val="bg1">
+                <a:lumMod val="85000"/>
+              </a:schemeClr>
+            </a:solidFill>
+            <a:ln>
+              <a:solidFill>
+                <a:schemeClr val="bg1"/>
+              </a:solidFill>
+            </a:ln>
+            <a:effectLst/>
+          </c:spPr>
+          <c:cat>
+            <c:numRef>
+              <c:f>Sheet1!$A$2:$A$97</c:f>
+              <c:numCache>
+                <c:formatCode>[$-409]mmmm\ yyyy;@</c:formatCode>
+                <c:ptCount val="96"/>
+                <c:pt idx="0">
+                  <c:v>41091</c:v>
+                </c:pt>
+                <c:pt idx="1">
+                  <c:v>41122</c:v>
+                </c:pt>
+                <c:pt idx="2">
+                  <c:v>41153</c:v>
+                </c:pt>
+                <c:pt idx="3">
+                  <c:v>41183</c:v>
+                </c:pt>
+                <c:pt idx="4">
+                  <c:v>41214</c:v>
+                </c:pt>
+                <c:pt idx="5">
+                  <c:v>41244</c:v>
+                </c:pt>
+                <c:pt idx="6">
+                  <c:v>41275</c:v>
+                </c:pt>
+                <c:pt idx="7">
+                  <c:v>41306</c:v>
+                </c:pt>
+                <c:pt idx="8">
+                  <c:v>41334</c:v>
+                </c:pt>
+                <c:pt idx="9">
+                  <c:v>41365</c:v>
+                </c:pt>
+                <c:pt idx="10">
+                  <c:v>41395</c:v>
+                </c:pt>
+                <c:pt idx="11">
+                  <c:v>41426</c:v>
+                </c:pt>
+                <c:pt idx="12">
+                  <c:v>41456</c:v>
+                </c:pt>
+                <c:pt idx="13">
+                  <c:v>41487</c:v>
+                </c:pt>
+                <c:pt idx="14">
+                  <c:v>41518</c:v>
+                </c:pt>
+                <c:pt idx="15">
+                  <c:v>41548</c:v>
+                </c:pt>
+                <c:pt idx="16">
+                  <c:v>41579</c:v>
+                </c:pt>
+                <c:pt idx="17">
+                  <c:v>41609</c:v>
+                </c:pt>
+                <c:pt idx="18">
+                  <c:v>41640</c:v>
+                </c:pt>
+                <c:pt idx="19">
+                  <c:v>41671</c:v>
+                </c:pt>
+                <c:pt idx="20">
+                  <c:v>41699</c:v>
+                </c:pt>
+                <c:pt idx="21">
+                  <c:v>41730</c:v>
+                </c:pt>
+                <c:pt idx="22">
+                  <c:v>41760</c:v>
+                </c:pt>
+                <c:pt idx="23">
+                  <c:v>41791</c:v>
+                </c:pt>
+                <c:pt idx="24">
+                  <c:v>41821</c:v>
+                </c:pt>
+                <c:pt idx="25">
+                  <c:v>41852</c:v>
+                </c:pt>
+                <c:pt idx="26">
+                  <c:v>41883</c:v>
+                </c:pt>
+                <c:pt idx="27">
+                  <c:v>41913</c:v>
+                </c:pt>
+                <c:pt idx="28">
+                  <c:v>41944</c:v>
+                </c:pt>
+                <c:pt idx="29">
+                  <c:v>41974</c:v>
+                </c:pt>
+                <c:pt idx="30">
+                  <c:v>42005</c:v>
+                </c:pt>
+                <c:pt idx="31">
+                  <c:v>42036</c:v>
+                </c:pt>
+                <c:pt idx="32">
+                  <c:v>42064</c:v>
+                </c:pt>
+                <c:pt idx="33">
+                  <c:v>42095</c:v>
+                </c:pt>
+                <c:pt idx="34">
+                  <c:v>42125</c:v>
+                </c:pt>
+                <c:pt idx="35">
+                  <c:v>42156</c:v>
+                </c:pt>
+                <c:pt idx="36">
+                  <c:v>42186</c:v>
+                </c:pt>
+                <c:pt idx="37">
+                  <c:v>42217</c:v>
+                </c:pt>
+                <c:pt idx="38">
+                  <c:v>42248</c:v>
+                </c:pt>
+                <c:pt idx="39">
+                  <c:v>42278</c:v>
+                </c:pt>
+                <c:pt idx="40">
+                  <c:v>42309</c:v>
+                </c:pt>
+                <c:pt idx="41">
+                  <c:v>42339</c:v>
+                </c:pt>
+                <c:pt idx="42">
+                  <c:v>42370</c:v>
+                </c:pt>
+                <c:pt idx="43">
+                  <c:v>42401</c:v>
+                </c:pt>
+                <c:pt idx="44">
+                  <c:v>42430</c:v>
+                </c:pt>
+                <c:pt idx="45">
+                  <c:v>42461</c:v>
+                </c:pt>
+                <c:pt idx="46">
+                  <c:v>42491</c:v>
+                </c:pt>
+                <c:pt idx="47">
+                  <c:v>42522</c:v>
+                </c:pt>
+                <c:pt idx="48">
+                  <c:v>42552</c:v>
+                </c:pt>
+                <c:pt idx="49">
+                  <c:v>42583</c:v>
+                </c:pt>
+                <c:pt idx="50">
+                  <c:v>42614</c:v>
+                </c:pt>
+                <c:pt idx="51">
+                  <c:v>42644</c:v>
+                </c:pt>
+                <c:pt idx="52">
+                  <c:v>42675</c:v>
+                </c:pt>
+                <c:pt idx="53">
+                  <c:v>42705</c:v>
+                </c:pt>
+                <c:pt idx="54">
+                  <c:v>42736</c:v>
+                </c:pt>
+                <c:pt idx="55">
+                  <c:v>42767</c:v>
+                </c:pt>
+                <c:pt idx="56">
+                  <c:v>42795</c:v>
+                </c:pt>
+                <c:pt idx="57">
+                  <c:v>42826</c:v>
+                </c:pt>
+                <c:pt idx="58">
+                  <c:v>42856</c:v>
+                </c:pt>
+                <c:pt idx="59">
+                  <c:v>42887</c:v>
+                </c:pt>
+                <c:pt idx="60">
+                  <c:v>42917</c:v>
+                </c:pt>
+                <c:pt idx="61">
+                  <c:v>42948</c:v>
+                </c:pt>
+                <c:pt idx="62">
+                  <c:v>42979</c:v>
+                </c:pt>
+                <c:pt idx="63">
+                  <c:v>43009</c:v>
+                </c:pt>
+                <c:pt idx="64">
+                  <c:v>43040</c:v>
+                </c:pt>
+                <c:pt idx="65">
+                  <c:v>43070</c:v>
+                </c:pt>
+                <c:pt idx="66">
+                  <c:v>43101</c:v>
+                </c:pt>
+                <c:pt idx="67">
+                  <c:v>43132</c:v>
+                </c:pt>
+                <c:pt idx="68">
+                  <c:v>43160</c:v>
+                </c:pt>
+                <c:pt idx="69">
+                  <c:v>43191</c:v>
+                </c:pt>
+                <c:pt idx="70">
+                  <c:v>43221</c:v>
+                </c:pt>
+                <c:pt idx="71">
+                  <c:v>43252</c:v>
+                </c:pt>
+                <c:pt idx="72">
+                  <c:v>43282</c:v>
+                </c:pt>
+                <c:pt idx="73">
+                  <c:v>43313</c:v>
+                </c:pt>
+                <c:pt idx="74">
+                  <c:v>43344</c:v>
+                </c:pt>
+                <c:pt idx="75">
+                  <c:v>43374</c:v>
+                </c:pt>
+                <c:pt idx="76">
+                  <c:v>43405</c:v>
+                </c:pt>
+                <c:pt idx="77">
+                  <c:v>43435</c:v>
+                </c:pt>
+                <c:pt idx="78">
+                  <c:v>43466</c:v>
+                </c:pt>
+                <c:pt idx="79">
+                  <c:v>43497</c:v>
+                </c:pt>
+                <c:pt idx="80">
+                  <c:v>43525</c:v>
+                </c:pt>
+                <c:pt idx="81">
+                  <c:v>43556</c:v>
+                </c:pt>
+                <c:pt idx="82">
+                  <c:v>43586</c:v>
+                </c:pt>
+                <c:pt idx="83">
+                  <c:v>43617</c:v>
+                </c:pt>
+                <c:pt idx="84">
+                  <c:v>43647</c:v>
+                </c:pt>
+                <c:pt idx="85">
+                  <c:v>43678</c:v>
+                </c:pt>
+                <c:pt idx="86">
+                  <c:v>43709</c:v>
+                </c:pt>
+                <c:pt idx="87">
+                  <c:v>43739</c:v>
+                </c:pt>
+                <c:pt idx="88">
+                  <c:v>43770</c:v>
+                </c:pt>
+                <c:pt idx="89">
+                  <c:v>43800</c:v>
+                </c:pt>
+                <c:pt idx="90">
+                  <c:v>43831</c:v>
+                </c:pt>
+                <c:pt idx="91">
+                  <c:v>43862</c:v>
+                </c:pt>
+                <c:pt idx="92">
+                  <c:v>43891</c:v>
+                </c:pt>
+                <c:pt idx="93">
+                  <c:v>43922</c:v>
+                </c:pt>
+                <c:pt idx="94">
+                  <c:v>43952</c:v>
+                </c:pt>
+                <c:pt idx="95">
+                  <c:v>43983</c:v>
+                </c:pt>
+              </c:numCache>
+            </c:numRef>
+          </c:cat>
+          <c:val>
+            <c:numRef>
+              <c:f>Sheet1!$D$2:$D$97</c:f>
+              <c:numCache>
+                <c:formatCode>General</c:formatCode>
+                <c:ptCount val="96"/>
+                <c:pt idx="84">
+                  <c:v>1148.2237580000001</c:v>
+                </c:pt>
+                <c:pt idx="85">
+                  <c:v>1049.8189090000001</c:v>
+                </c:pt>
+                <c:pt idx="86">
+                  <c:v>973.94375630000002</c:v>
+                </c:pt>
+                <c:pt idx="87">
+                  <c:v>927.57929460000003</c:v>
+                </c:pt>
+                <c:pt idx="88">
+                  <c:v>899.82626240000002</c:v>
+                </c:pt>
+                <c:pt idx="89">
+                  <c:v>936.18958869999994</c:v>
+                </c:pt>
+                <c:pt idx="90">
+                  <c:v>1006.751025</c:v>
+                </c:pt>
+                <c:pt idx="91">
+                  <c:v>1090.7499350000001</c:v>
+                </c:pt>
+                <c:pt idx="92">
+                  <c:v>1177.9073040000001</c:v>
+                </c:pt>
+                <c:pt idx="93">
+                  <c:v>1263.7476610000001</c:v>
+                </c:pt>
+                <c:pt idx="94">
+                  <c:v>1346.5367470000001</c:v>
+                </c:pt>
+                <c:pt idx="95">
+                  <c:v>1425.7728320000001</c:v>
+                </c:pt>
+              </c:numCache>
+            </c:numRef>
+          </c:val>
+          <c:extLst>
+            <c:ext xmlns:c16="http://schemas.microsoft.com/office/drawing/2014/chart" uri="{C3380CC4-5D6E-409C-BE32-E72D297353CC}">
+              <c16:uniqueId val="{00000002-10A9-46DE-9F3E-592EBFCCC5B5}"/>
+            </c:ext>
+          </c:extLst>
+        </c:ser>
+        <c:ser>
+          <c:idx val="3"/>
+          <c:order val="3"/>
+          <c:tx>
+            <c:strRef>
+              <c:f>Sheet1!$E$1</c:f>
+              <c:strCache>
+                <c:ptCount val="1"/>
+                <c:pt idx="0">
+                  <c:v>Lower</c:v>
+                </c:pt>
+              </c:strCache>
+            </c:strRef>
+          </c:tx>
+          <c:spPr>
+            <a:solidFill>
+              <a:schemeClr val="bg1"/>
+            </a:solidFill>
+            <a:ln>
+              <a:solidFill>
+                <a:schemeClr val="bg1"/>
+              </a:solidFill>
+            </a:ln>
+            <a:effectLst/>
+          </c:spPr>
+          <c:cat>
+            <c:numRef>
+              <c:f>Sheet1!$A$2:$A$97</c:f>
+              <c:numCache>
+                <c:formatCode>[$-409]mmmm\ yyyy;@</c:formatCode>
+                <c:ptCount val="96"/>
+                <c:pt idx="0">
+                  <c:v>41091</c:v>
+                </c:pt>
+                <c:pt idx="1">
+                  <c:v>41122</c:v>
+                </c:pt>
+                <c:pt idx="2">
+                  <c:v>41153</c:v>
+                </c:pt>
+                <c:pt idx="3">
+                  <c:v>41183</c:v>
+                </c:pt>
+                <c:pt idx="4">
+                  <c:v>41214</c:v>
+                </c:pt>
+                <c:pt idx="5">
+                  <c:v>41244</c:v>
+                </c:pt>
+                <c:pt idx="6">
+                  <c:v>41275</c:v>
+                </c:pt>
+                <c:pt idx="7">
+                  <c:v>41306</c:v>
+                </c:pt>
+                <c:pt idx="8">
+                  <c:v>41334</c:v>
+                </c:pt>
+                <c:pt idx="9">
+                  <c:v>41365</c:v>
+                </c:pt>
+                <c:pt idx="10">
+                  <c:v>41395</c:v>
+                </c:pt>
+                <c:pt idx="11">
+                  <c:v>41426</c:v>
+                </c:pt>
+                <c:pt idx="12">
+                  <c:v>41456</c:v>
+                </c:pt>
+                <c:pt idx="13">
+                  <c:v>41487</c:v>
+                </c:pt>
+                <c:pt idx="14">
+                  <c:v>41518</c:v>
+                </c:pt>
+                <c:pt idx="15">
+                  <c:v>41548</c:v>
+                </c:pt>
+                <c:pt idx="16">
+                  <c:v>41579</c:v>
+                </c:pt>
+                <c:pt idx="17">
+                  <c:v>41609</c:v>
+                </c:pt>
+                <c:pt idx="18">
+                  <c:v>41640</c:v>
+                </c:pt>
+                <c:pt idx="19">
+                  <c:v>41671</c:v>
+                </c:pt>
+                <c:pt idx="20">
+                  <c:v>41699</c:v>
+                </c:pt>
+                <c:pt idx="21">
+                  <c:v>41730</c:v>
+                </c:pt>
+                <c:pt idx="22">
+                  <c:v>41760</c:v>
+                </c:pt>
+                <c:pt idx="23">
+                  <c:v>41791</c:v>
+                </c:pt>
+                <c:pt idx="24">
+                  <c:v>41821</c:v>
+                </c:pt>
+                <c:pt idx="25">
+                  <c:v>41852</c:v>
+                </c:pt>
+                <c:pt idx="26">
+                  <c:v>41883</c:v>
+                </c:pt>
+                <c:pt idx="27">
+                  <c:v>41913</c:v>
+                </c:pt>
+                <c:pt idx="28">
+                  <c:v>41944</c:v>
+                </c:pt>
+                <c:pt idx="29">
+                  <c:v>41974</c:v>
+                </c:pt>
+                <c:pt idx="30">
+                  <c:v>42005</c:v>
+                </c:pt>
+                <c:pt idx="31">
+                  <c:v>42036</c:v>
+                </c:pt>
+                <c:pt idx="32">
+                  <c:v>42064</c:v>
+                </c:pt>
+                <c:pt idx="33">
+                  <c:v>42095</c:v>
+                </c:pt>
+                <c:pt idx="34">
+                  <c:v>42125</c:v>
+                </c:pt>
+                <c:pt idx="35">
+                  <c:v>42156</c:v>
+                </c:pt>
+                <c:pt idx="36">
+                  <c:v>42186</c:v>
+                </c:pt>
+                <c:pt idx="37">
+                  <c:v>42217</c:v>
+                </c:pt>
+                <c:pt idx="38">
+                  <c:v>42248</c:v>
+                </c:pt>
+                <c:pt idx="39">
+                  <c:v>42278</c:v>
+                </c:pt>
+                <c:pt idx="40">
+                  <c:v>42309</c:v>
+                </c:pt>
+                <c:pt idx="41">
+                  <c:v>42339</c:v>
+                </c:pt>
+                <c:pt idx="42">
+                  <c:v>42370</c:v>
+                </c:pt>
+                <c:pt idx="43">
+                  <c:v>42401</c:v>
+                </c:pt>
+                <c:pt idx="44">
+                  <c:v>42430</c:v>
+                </c:pt>
+                <c:pt idx="45">
+                  <c:v>42461</c:v>
+                </c:pt>
+                <c:pt idx="46">
+                  <c:v>42491</c:v>
+                </c:pt>
+                <c:pt idx="47">
+                  <c:v>42522</c:v>
+                </c:pt>
+                <c:pt idx="48">
+                  <c:v>42552</c:v>
+                </c:pt>
+                <c:pt idx="49">
+                  <c:v>42583</c:v>
+                </c:pt>
+                <c:pt idx="50">
+                  <c:v>42614</c:v>
+                </c:pt>
+                <c:pt idx="51">
+                  <c:v>42644</c:v>
+                </c:pt>
+                <c:pt idx="52">
+                  <c:v>42675</c:v>
+                </c:pt>
+                <c:pt idx="53">
+                  <c:v>42705</c:v>
+                </c:pt>
+                <c:pt idx="54">
+                  <c:v>42736</c:v>
+                </c:pt>
+                <c:pt idx="55">
+                  <c:v>42767</c:v>
+                </c:pt>
+                <c:pt idx="56">
+                  <c:v>42795</c:v>
+                </c:pt>
+                <c:pt idx="57">
+                  <c:v>42826</c:v>
+                </c:pt>
+                <c:pt idx="58">
+                  <c:v>42856</c:v>
+                </c:pt>
+                <c:pt idx="59">
+                  <c:v>42887</c:v>
+                </c:pt>
+                <c:pt idx="60">
+                  <c:v>42917</c:v>
+                </c:pt>
+                <c:pt idx="61">
+                  <c:v>42948</c:v>
+                </c:pt>
+                <c:pt idx="62">
+                  <c:v>42979</c:v>
+                </c:pt>
+                <c:pt idx="63">
+                  <c:v>43009</c:v>
+                </c:pt>
+                <c:pt idx="64">
+                  <c:v>43040</c:v>
+                </c:pt>
+                <c:pt idx="65">
+                  <c:v>43070</c:v>
+                </c:pt>
+                <c:pt idx="66">
+                  <c:v>43101</c:v>
+                </c:pt>
+                <c:pt idx="67">
+                  <c:v>43132</c:v>
+                </c:pt>
+                <c:pt idx="68">
+                  <c:v>43160</c:v>
+                </c:pt>
+                <c:pt idx="69">
+                  <c:v>43191</c:v>
+                </c:pt>
+                <c:pt idx="70">
+                  <c:v>43221</c:v>
+                </c:pt>
+                <c:pt idx="71">
+                  <c:v>43252</c:v>
+                </c:pt>
+                <c:pt idx="72">
+                  <c:v>43282</c:v>
+                </c:pt>
+                <c:pt idx="73">
+                  <c:v>43313</c:v>
+                </c:pt>
+                <c:pt idx="74">
+                  <c:v>43344</c:v>
+                </c:pt>
+                <c:pt idx="75">
+                  <c:v>43374</c:v>
+                </c:pt>
+                <c:pt idx="76">
+                  <c:v>43405</c:v>
+                </c:pt>
+                <c:pt idx="77">
+                  <c:v>43435</c:v>
+                </c:pt>
+                <c:pt idx="78">
+                  <c:v>43466</c:v>
+                </c:pt>
+                <c:pt idx="79">
+                  <c:v>43497</c:v>
+                </c:pt>
+                <c:pt idx="80">
+                  <c:v>43525</c:v>
+                </c:pt>
+                <c:pt idx="81">
+                  <c:v>43556</c:v>
+                </c:pt>
+                <c:pt idx="82">
+                  <c:v>43586</c:v>
+                </c:pt>
+                <c:pt idx="83">
+                  <c:v>43617</c:v>
+                </c:pt>
+                <c:pt idx="84">
+                  <c:v>43647</c:v>
+                </c:pt>
+                <c:pt idx="85">
+                  <c:v>43678</c:v>
+                </c:pt>
+                <c:pt idx="86">
+                  <c:v>43709</c:v>
+                </c:pt>
+                <c:pt idx="87">
+                  <c:v>43739</c:v>
+                </c:pt>
+                <c:pt idx="88">
+                  <c:v>43770</c:v>
+                </c:pt>
+                <c:pt idx="89">
+                  <c:v>43800</c:v>
+                </c:pt>
+                <c:pt idx="90">
+                  <c:v>43831</c:v>
+                </c:pt>
+                <c:pt idx="91">
+                  <c:v>43862</c:v>
+                </c:pt>
+                <c:pt idx="92">
+                  <c:v>43891</c:v>
+                </c:pt>
+                <c:pt idx="93">
+                  <c:v>43922</c:v>
+                </c:pt>
+                <c:pt idx="94">
+                  <c:v>43952</c:v>
+                </c:pt>
+                <c:pt idx="95">
+                  <c:v>43983</c:v>
+                </c:pt>
+              </c:numCache>
+            </c:numRef>
+          </c:cat>
+          <c:val>
+            <c:numRef>
+              <c:f>Sheet1!$E$2:$E$97</c:f>
+              <c:numCache>
+                <c:formatCode>General</c:formatCode>
+                <c:ptCount val="96"/>
+                <c:pt idx="84">
+                  <c:v>562.4336141</c:v>
+                </c:pt>
+                <c:pt idx="85">
+                  <c:v>373.07694789999999</c:v>
+                </c:pt>
+                <c:pt idx="86">
+                  <c:v>221.89761759999999</c:v>
+                </c:pt>
+                <c:pt idx="87">
+                  <c:v>104.6309158</c:v>
+                </c:pt>
+                <c:pt idx="88">
+                  <c:v>52.811782690000001</c:v>
+                </c:pt>
+                <c:pt idx="89">
+                  <c:v>2.5144543349999999</c:v>
+                </c:pt>
+                <c:pt idx="90">
+                  <c:v>-46.976434040000001</c:v>
+                </c:pt>
+                <c:pt idx="91">
+                  <c:v>-112.55944839999999</c:v>
+                </c:pt>
+                <c:pt idx="92">
+                  <c:v>-181.18510670000001</c:v>
+                </c:pt>
+                <c:pt idx="93">
+                  <c:v>-249.23057420000001</c:v>
+                </c:pt>
+                <c:pt idx="94">
+                  <c:v>-315.4050173</c:v>
+                </c:pt>
+                <c:pt idx="95">
+                  <c:v>-379.33947180000001</c:v>
+                </c:pt>
+              </c:numCache>
+            </c:numRef>
+          </c:val>
+          <c:extLst>
+            <c:ext xmlns:c16="http://schemas.microsoft.com/office/drawing/2014/chart" uri="{C3380CC4-5D6E-409C-BE32-E72D297353CC}">
+              <c16:uniqueId val="{00000003-10A9-46DE-9F3E-592EBFCCC5B5}"/>
+            </c:ext>
+          </c:extLst>
+        </c:ser>
+        <c:dLbls>
+          <c:showLegendKey val="0"/>
+          <c:showVal val="0"/>
+          <c:showCatName val="0"/>
+          <c:showSerName val="0"/>
+          <c:showPercent val="0"/>
+          <c:showBubbleSize val="0"/>
+        </c:dLbls>
+        <c:axId val="802730704"/>
+        <c:axId val="802733904"/>
+      </c:areaChart>
+      <c:lineChart>
+        <c:grouping val="standard"/>
+        <c:varyColors val="0"/>
+        <c:ser>
+          <c:idx val="0"/>
+          <c:order val="0"/>
+          <c:tx>
+            <c:strRef>
+              <c:f>Sheet1!$B$1</c:f>
+              <c:strCache>
+                <c:ptCount val="1"/>
+                <c:pt idx="0">
+                  <c:v>Actual</c:v>
+                </c:pt>
+              </c:strCache>
+            </c:strRef>
+          </c:tx>
+          <c:spPr>
+            <a:ln w="44450" cap="rnd">
+              <a:solidFill>
+                <a:schemeClr val="accent1"/>
+              </a:solidFill>
+              <a:round/>
+            </a:ln>
+            <a:effectLst/>
+          </c:spPr>
+          <c:marker>
+            <c:symbol val="none"/>
+          </c:marker>
+          <c:dPt>
+            <c:idx val="83"/>
+            <c:marker>
+              <c:symbol val="circle"/>
+              <c:size val="6"/>
+              <c:spPr>
+                <a:solidFill>
+                  <a:schemeClr val="bg1"/>
+                </a:solidFill>
+                <a:ln w="28575">
+                  <a:solidFill>
+                    <a:schemeClr val="accent1"/>
+                  </a:solidFill>
+                </a:ln>
+                <a:effectLst/>
+              </c:spPr>
+            </c:marker>
+            <c:bubble3D val="0"/>
+            <c:extLst>
+              <c:ext xmlns:c16="http://schemas.microsoft.com/office/drawing/2014/chart" uri="{C3380CC4-5D6E-409C-BE32-E72D297353CC}">
+                <c16:uniqueId val="{00000004-10A9-46DE-9F3E-592EBFCCC5B5}"/>
+              </c:ext>
+            </c:extLst>
+          </c:dPt>
+          <c:dLbls>
+            <c:dLbl>
+              <c:idx val="83"/>
+              <c:dLblPos val="t"/>
+              <c:showLegendKey val="0"/>
+              <c:showVal val="1"/>
+              <c:showCatName val="0"/>
+              <c:showSerName val="0"/>
+              <c:showPercent val="0"/>
+              <c:showBubbleSize val="0"/>
+              <c:extLst>
+                <c:ext xmlns:c15="http://schemas.microsoft.com/office/drawing/2012/chart" uri="{CE6537A1-D6FC-4f65-9D91-7224C49458BB}"/>
+                <c:ext xmlns:c16="http://schemas.microsoft.com/office/drawing/2014/chart" uri="{C3380CC4-5D6E-409C-BE32-E72D297353CC}">
+                  <c16:uniqueId val="{00000004-10A9-46DE-9F3E-592EBFCCC5B5}"/>
+                </c:ext>
+              </c:extLst>
+            </c:dLbl>
+            <c:numFmt formatCode="#,##0" sourceLinked="0"/>
+            <c:spPr>
+              <a:noFill/>
+              <a:ln>
+                <a:noFill/>
+              </a:ln>
+              <a:effectLst/>
+            </c:spPr>
+            <c:txPr>
+              <a:bodyPr rot="0" spcFirstLastPara="1" vertOverflow="ellipsis" vert="horz" wrap="square" lIns="38100" tIns="19050" rIns="38100" bIns="19050" anchor="ctr" anchorCtr="1">
+                <a:spAutoFit/>
+              </a:bodyPr>
+              <a:lstStyle/>
+              <a:p>
+                <a:pPr>
+                  <a:defRPr sz="1197" b="0" i="0" u="none" strike="noStrike" kern="1200" baseline="0">
+                    <a:solidFill>
+                      <a:schemeClr val="accent1"/>
+                    </a:solidFill>
+                    <a:latin typeface="+mn-lt"/>
+                    <a:ea typeface="+mn-ea"/>
+                    <a:cs typeface="+mn-cs"/>
+                  </a:defRPr>
+                </a:pPr>
+                <a:endParaRPr lang="en-US"/>
+              </a:p>
+            </c:txPr>
+            <c:dLblPos val="t"/>
+            <c:showLegendKey val="0"/>
+            <c:showVal val="0"/>
+            <c:showCatName val="0"/>
+            <c:showSerName val="0"/>
+            <c:showPercent val="0"/>
+            <c:showBubbleSize val="0"/>
+            <c:extLst>
+              <c:ext xmlns:c15="http://schemas.microsoft.com/office/drawing/2012/chart" uri="{CE6537A1-D6FC-4f65-9D91-7224C49458BB}">
+                <c15:showLeaderLines val="1"/>
+                <c15:leaderLines>
+                  <c:spPr>
+                    <a:ln w="9525" cap="flat" cmpd="sng" algn="ctr">
+                      <a:solidFill>
+                        <a:schemeClr val="tx1">
+                          <a:lumMod val="35000"/>
+                          <a:lumOff val="65000"/>
+                        </a:schemeClr>
+                      </a:solidFill>
+                      <a:round/>
+                    </a:ln>
+                    <a:effectLst/>
+                  </c:spPr>
+                </c15:leaderLines>
+              </c:ext>
+            </c:extLst>
+          </c:dLbls>
+          <c:cat>
+            <c:numRef>
+              <c:f>Sheet1!$A$2:$A$97</c:f>
+              <c:numCache>
+                <c:formatCode>[$-409]mmmm\ yyyy;@</c:formatCode>
+                <c:ptCount val="96"/>
+                <c:pt idx="0">
+                  <c:v>41091</c:v>
+                </c:pt>
+                <c:pt idx="1">
+                  <c:v>41122</c:v>
+                </c:pt>
+                <c:pt idx="2">
+                  <c:v>41153</c:v>
+                </c:pt>
+                <c:pt idx="3">
+                  <c:v>41183</c:v>
+                </c:pt>
+                <c:pt idx="4">
+                  <c:v>41214</c:v>
+                </c:pt>
+                <c:pt idx="5">
+                  <c:v>41244</c:v>
+                </c:pt>
+                <c:pt idx="6">
+                  <c:v>41275</c:v>
+                </c:pt>
+                <c:pt idx="7">
+                  <c:v>41306</c:v>
+                </c:pt>
+                <c:pt idx="8">
+                  <c:v>41334</c:v>
+                </c:pt>
+                <c:pt idx="9">
+                  <c:v>41365</c:v>
+                </c:pt>
+                <c:pt idx="10">
+                  <c:v>41395</c:v>
+                </c:pt>
+                <c:pt idx="11">
+                  <c:v>41426</c:v>
+                </c:pt>
+                <c:pt idx="12">
+                  <c:v>41456</c:v>
+                </c:pt>
+                <c:pt idx="13">
+                  <c:v>41487</c:v>
+                </c:pt>
+                <c:pt idx="14">
+                  <c:v>41518</c:v>
+                </c:pt>
+                <c:pt idx="15">
+                  <c:v>41548</c:v>
+                </c:pt>
+                <c:pt idx="16">
+                  <c:v>41579</c:v>
+                </c:pt>
+                <c:pt idx="17">
+                  <c:v>41609</c:v>
+                </c:pt>
+                <c:pt idx="18">
+                  <c:v>41640</c:v>
+                </c:pt>
+                <c:pt idx="19">
+                  <c:v>41671</c:v>
+                </c:pt>
+                <c:pt idx="20">
+                  <c:v>41699</c:v>
+                </c:pt>
+                <c:pt idx="21">
+                  <c:v>41730</c:v>
+                </c:pt>
+                <c:pt idx="22">
+                  <c:v>41760</c:v>
+                </c:pt>
+                <c:pt idx="23">
+                  <c:v>41791</c:v>
+                </c:pt>
+                <c:pt idx="24">
+                  <c:v>41821</c:v>
+                </c:pt>
+                <c:pt idx="25">
+                  <c:v>41852</c:v>
+                </c:pt>
+                <c:pt idx="26">
+                  <c:v>41883</c:v>
+                </c:pt>
+                <c:pt idx="27">
+                  <c:v>41913</c:v>
+                </c:pt>
+                <c:pt idx="28">
+                  <c:v>41944</c:v>
+                </c:pt>
+                <c:pt idx="29">
+                  <c:v>41974</c:v>
+                </c:pt>
+                <c:pt idx="30">
+                  <c:v>42005</c:v>
+                </c:pt>
+                <c:pt idx="31">
+                  <c:v>42036</c:v>
+                </c:pt>
+                <c:pt idx="32">
+                  <c:v>42064</c:v>
+                </c:pt>
+                <c:pt idx="33">
+                  <c:v>42095</c:v>
+                </c:pt>
+                <c:pt idx="34">
+                  <c:v>42125</c:v>
+                </c:pt>
+                <c:pt idx="35">
+                  <c:v>42156</c:v>
+                </c:pt>
+                <c:pt idx="36">
+                  <c:v>42186</c:v>
+                </c:pt>
+                <c:pt idx="37">
+                  <c:v>42217</c:v>
+                </c:pt>
+                <c:pt idx="38">
+                  <c:v>42248</c:v>
+                </c:pt>
+                <c:pt idx="39">
+                  <c:v>42278</c:v>
+                </c:pt>
+                <c:pt idx="40">
+                  <c:v>42309</c:v>
+                </c:pt>
+                <c:pt idx="41">
+                  <c:v>42339</c:v>
+                </c:pt>
+                <c:pt idx="42">
+                  <c:v>42370</c:v>
+                </c:pt>
+                <c:pt idx="43">
+                  <c:v>42401</c:v>
+                </c:pt>
+                <c:pt idx="44">
+                  <c:v>42430</c:v>
+                </c:pt>
+                <c:pt idx="45">
+                  <c:v>42461</c:v>
+                </c:pt>
+                <c:pt idx="46">
+                  <c:v>42491</c:v>
+                </c:pt>
+                <c:pt idx="47">
+                  <c:v>42522</c:v>
+                </c:pt>
+                <c:pt idx="48">
+                  <c:v>42552</c:v>
+                </c:pt>
+                <c:pt idx="49">
+                  <c:v>42583</c:v>
+                </c:pt>
+                <c:pt idx="50">
+                  <c:v>42614</c:v>
+                </c:pt>
+                <c:pt idx="51">
+                  <c:v>42644</c:v>
+                </c:pt>
+                <c:pt idx="52">
+                  <c:v>42675</c:v>
+                </c:pt>
+                <c:pt idx="53">
+                  <c:v>42705</c:v>
+                </c:pt>
+                <c:pt idx="54">
+                  <c:v>42736</c:v>
+                </c:pt>
+                <c:pt idx="55">
+                  <c:v>42767</c:v>
+                </c:pt>
+                <c:pt idx="56">
+                  <c:v>42795</c:v>
+                </c:pt>
+                <c:pt idx="57">
+                  <c:v>42826</c:v>
+                </c:pt>
+                <c:pt idx="58">
+                  <c:v>42856</c:v>
+                </c:pt>
+                <c:pt idx="59">
+                  <c:v>42887</c:v>
+                </c:pt>
+                <c:pt idx="60">
+                  <c:v>42917</c:v>
+                </c:pt>
+                <c:pt idx="61">
+                  <c:v>42948</c:v>
+                </c:pt>
+                <c:pt idx="62">
+                  <c:v>42979</c:v>
+                </c:pt>
+                <c:pt idx="63">
+                  <c:v>43009</c:v>
+                </c:pt>
+                <c:pt idx="64">
+                  <c:v>43040</c:v>
+                </c:pt>
+                <c:pt idx="65">
+                  <c:v>43070</c:v>
+                </c:pt>
+                <c:pt idx="66">
+                  <c:v>43101</c:v>
+                </c:pt>
+                <c:pt idx="67">
+                  <c:v>43132</c:v>
+                </c:pt>
+                <c:pt idx="68">
+                  <c:v>43160</c:v>
+                </c:pt>
+                <c:pt idx="69">
+                  <c:v>43191</c:v>
+                </c:pt>
+                <c:pt idx="70">
+                  <c:v>43221</c:v>
+                </c:pt>
+                <c:pt idx="71">
+                  <c:v>43252</c:v>
+                </c:pt>
+                <c:pt idx="72">
+                  <c:v>43282</c:v>
+                </c:pt>
+                <c:pt idx="73">
+                  <c:v>43313</c:v>
+                </c:pt>
+                <c:pt idx="74">
+                  <c:v>43344</c:v>
+                </c:pt>
+                <c:pt idx="75">
+                  <c:v>43374</c:v>
+                </c:pt>
+                <c:pt idx="76">
+                  <c:v>43405</c:v>
+                </c:pt>
+                <c:pt idx="77">
+                  <c:v>43435</c:v>
+                </c:pt>
+                <c:pt idx="78">
+                  <c:v>43466</c:v>
+                </c:pt>
+                <c:pt idx="79">
+                  <c:v>43497</c:v>
+                </c:pt>
+                <c:pt idx="80">
+                  <c:v>43525</c:v>
+                </c:pt>
+                <c:pt idx="81">
+                  <c:v>43556</c:v>
+                </c:pt>
+                <c:pt idx="82">
+                  <c:v>43586</c:v>
+                </c:pt>
+                <c:pt idx="83">
+                  <c:v>43617</c:v>
+                </c:pt>
+                <c:pt idx="84">
+                  <c:v>43647</c:v>
+                </c:pt>
+                <c:pt idx="85">
+                  <c:v>43678</c:v>
+                </c:pt>
+                <c:pt idx="86">
+                  <c:v>43709</c:v>
+                </c:pt>
+                <c:pt idx="87">
+                  <c:v>43739</c:v>
+                </c:pt>
+                <c:pt idx="88">
+                  <c:v>43770</c:v>
+                </c:pt>
+                <c:pt idx="89">
+                  <c:v>43800</c:v>
+                </c:pt>
+                <c:pt idx="90">
+                  <c:v>43831</c:v>
+                </c:pt>
+                <c:pt idx="91">
+                  <c:v>43862</c:v>
+                </c:pt>
+                <c:pt idx="92">
+                  <c:v>43891</c:v>
+                </c:pt>
+                <c:pt idx="93">
+                  <c:v>43922</c:v>
+                </c:pt>
+                <c:pt idx="94">
+                  <c:v>43952</c:v>
+                </c:pt>
+                <c:pt idx="95">
+                  <c:v>43983</c:v>
+                </c:pt>
+              </c:numCache>
+            </c:numRef>
+          </c:cat>
+          <c:val>
+            <c:numRef>
+              <c:f>Sheet1!$B$2:$B$97</c:f>
+              <c:numCache>
+                <c:formatCode>General</c:formatCode>
+                <c:ptCount val="96"/>
+                <c:pt idx="0">
+                  <c:v>833</c:v>
+                </c:pt>
+                <c:pt idx="1">
+                  <c:v>1124</c:v>
+                </c:pt>
+                <c:pt idx="2">
+                  <c:v>786</c:v>
+                </c:pt>
+                <c:pt idx="3">
+                  <c:v>1229</c:v>
+                </c:pt>
+                <c:pt idx="4">
+                  <c:v>1112</c:v>
+                </c:pt>
+                <c:pt idx="5">
+                  <c:v>1016</c:v>
+                </c:pt>
+                <c:pt idx="6">
+                  <c:v>1264</c:v>
+                </c:pt>
+                <c:pt idx="7">
+                  <c:v>1018</c:v>
+                </c:pt>
+                <c:pt idx="8">
+                  <c:v>1251</c:v>
+                </c:pt>
+                <c:pt idx="9">
+                  <c:v>1449</c:v>
+                </c:pt>
+                <c:pt idx="10">
+                  <c:v>1608</c:v>
+                </c:pt>
+                <c:pt idx="11">
+                  <c:v>1961</c:v>
+                </c:pt>
+                <c:pt idx="12">
+                  <c:v>1809</c:v>
+                </c:pt>
+                <c:pt idx="13">
+                  <c:v>1516</c:v>
+                </c:pt>
+                <c:pt idx="14">
+                  <c:v>1904</c:v>
+                </c:pt>
+                <c:pt idx="15">
+                  <c:v>1664</c:v>
+                </c:pt>
+                <c:pt idx="16">
+                  <c:v>1772</c:v>
+                </c:pt>
+                <c:pt idx="17">
+                  <c:v>2294</c:v>
+                </c:pt>
+                <c:pt idx="18">
+                  <c:v>2032</c:v>
+                </c:pt>
+                <c:pt idx="19">
+                  <c:v>1690</c:v>
+                </c:pt>
+                <c:pt idx="20">
+                  <c:v>1870</c:v>
+                </c:pt>
+                <c:pt idx="21">
+                  <c:v>2378</c:v>
+                </c:pt>
+                <c:pt idx="22">
+                  <c:v>2199</c:v>
+                </c:pt>
+                <c:pt idx="23">
+                  <c:v>2077</c:v>
+                </c:pt>
+                <c:pt idx="24">
+                  <c:v>2201</c:v>
+                </c:pt>
+                <c:pt idx="25">
+                  <c:v>2255</c:v>
+                </c:pt>
+                <c:pt idx="26">
+                  <c:v>2280</c:v>
+                </c:pt>
+                <c:pt idx="27">
+                  <c:v>3065</c:v>
+                </c:pt>
+                <c:pt idx="28">
+                  <c:v>2506</c:v>
+                </c:pt>
+                <c:pt idx="29">
+                  <c:v>2822</c:v>
+                </c:pt>
+                <c:pt idx="30">
+                  <c:v>2876</c:v>
+                </c:pt>
+                <c:pt idx="31">
+                  <c:v>3061</c:v>
+                </c:pt>
+                <c:pt idx="32">
+                  <c:v>3243</c:v>
+                </c:pt>
+                <c:pt idx="33">
+                  <c:v>3389</c:v>
+                </c:pt>
+                <c:pt idx="34">
+                  <c:v>3864</c:v>
+                </c:pt>
+                <c:pt idx="35">
+                  <c:v>3599</c:v>
+                </c:pt>
+                <c:pt idx="36">
+                  <c:v>3456</c:v>
+                </c:pt>
+                <c:pt idx="37">
+                  <c:v>3055</c:v>
+                </c:pt>
+                <c:pt idx="38">
+                  <c:v>3524</c:v>
+                </c:pt>
+                <c:pt idx="39">
+                  <c:v>3945</c:v>
+                </c:pt>
+                <c:pt idx="40">
+                  <c:v>4123</c:v>
+                </c:pt>
+                <c:pt idx="41">
+                  <c:v>4236</c:v>
+                </c:pt>
+                <c:pt idx="42">
+                  <c:v>3290</c:v>
+                </c:pt>
+                <c:pt idx="43">
+                  <c:v>3278</c:v>
+                </c:pt>
+                <c:pt idx="44">
+                  <c:v>2891</c:v>
+                </c:pt>
+                <c:pt idx="45">
+                  <c:v>2900</c:v>
+                </c:pt>
+                <c:pt idx="46">
+                  <c:v>3372</c:v>
+                </c:pt>
+                <c:pt idx="47">
+                  <c:v>3293</c:v>
+                </c:pt>
+                <c:pt idx="48">
+                  <c:v>3060</c:v>
+                </c:pt>
+                <c:pt idx="49">
+                  <c:v>2782</c:v>
+                </c:pt>
+                <c:pt idx="50">
+                  <c:v>2323</c:v>
+                </c:pt>
+                <c:pt idx="51">
+                  <c:v>2507</c:v>
+                </c:pt>
+                <c:pt idx="52">
+                  <c:v>2198</c:v>
+                </c:pt>
+                <c:pt idx="53">
+                  <c:v>2269</c:v>
+                </c:pt>
+                <c:pt idx="54">
+                  <c:v>2160</c:v>
+                </c:pt>
+                <c:pt idx="55">
+                  <c:v>2186</c:v>
+                </c:pt>
+                <c:pt idx="56">
+                  <c:v>1881</c:v>
+                </c:pt>
+                <c:pt idx="57">
+                  <c:v>2063</c:v>
+                </c:pt>
+                <c:pt idx="58">
+                  <c:v>2251</c:v>
+                </c:pt>
+                <c:pt idx="59">
+                  <c:v>2282</c:v>
+                </c:pt>
+                <c:pt idx="60">
+                  <c:v>2466</c:v>
+                </c:pt>
+                <c:pt idx="61">
+                  <c:v>1889</c:v>
+                </c:pt>
+                <c:pt idx="62">
+                  <c:v>1919</c:v>
+                </c:pt>
+                <c:pt idx="63">
+                  <c:v>2298</c:v>
+                </c:pt>
+                <c:pt idx="64">
+                  <c:v>2030</c:v>
+                </c:pt>
+                <c:pt idx="65">
+                  <c:v>2640</c:v>
+                </c:pt>
+                <c:pt idx="66">
+                  <c:v>2477</c:v>
+                </c:pt>
+                <c:pt idx="67">
+                  <c:v>2142</c:v>
+                </c:pt>
+                <c:pt idx="68">
+                  <c:v>2164</c:v>
+                </c:pt>
+                <c:pt idx="69">
+                  <c:v>2354</c:v>
+                </c:pt>
+                <c:pt idx="70">
+                  <c:v>2140</c:v>
+                </c:pt>
+                <c:pt idx="71">
+                  <c:v>2440</c:v>
+                </c:pt>
+                <c:pt idx="72">
+                  <c:v>2609</c:v>
+                </c:pt>
+                <c:pt idx="73">
+                  <c:v>2474</c:v>
+                </c:pt>
+                <c:pt idx="74">
+                  <c:v>2472</c:v>
+                </c:pt>
+                <c:pt idx="75">
+                  <c:v>2355</c:v>
+                </c:pt>
+                <c:pt idx="76">
+                  <c:v>2138</c:v>
+                </c:pt>
+                <c:pt idx="77">
+                  <c:v>1946</c:v>
+                </c:pt>
+                <c:pt idx="78">
+                  <c:v>1821</c:v>
+                </c:pt>
+                <c:pt idx="79">
+                  <c:v>1325</c:v>
+                </c:pt>
+                <c:pt idx="80">
+                  <c:v>1517</c:v>
+                </c:pt>
+                <c:pt idx="81">
+                  <c:v>1345</c:v>
+                </c:pt>
+                <c:pt idx="82">
+                  <c:v>1202</c:v>
+                </c:pt>
+                <c:pt idx="83">
+                  <c:v>1162</c:v>
+                </c:pt>
+              </c:numCache>
+            </c:numRef>
+          </c:val>
+          <c:smooth val="0"/>
+          <c:extLst>
+            <c:ext xmlns:c16="http://schemas.microsoft.com/office/drawing/2014/chart" uri="{C3380CC4-5D6E-409C-BE32-E72D297353CC}">
+              <c16:uniqueId val="{00000000-10A9-46DE-9F3E-592EBFCCC5B5}"/>
+            </c:ext>
+          </c:extLst>
+        </c:ser>
+        <c:ser>
+          <c:idx val="1"/>
+          <c:order val="1"/>
+          <c:tx>
+            <c:strRef>
+              <c:f>Sheet1!$C$1</c:f>
+              <c:strCache>
+                <c:ptCount val="1"/>
+                <c:pt idx="0">
+                  <c:v>Forecast</c:v>
+                </c:pt>
+              </c:strCache>
+            </c:strRef>
+          </c:tx>
+          <c:spPr>
+            <a:ln w="28575" cap="rnd">
+              <a:solidFill>
+                <a:schemeClr val="accent1">
+                  <a:lumMod val="60000"/>
+                  <a:lumOff val="40000"/>
+                </a:schemeClr>
+              </a:solidFill>
+              <a:prstDash val="dash"/>
+              <a:round/>
+            </a:ln>
+            <a:effectLst/>
+          </c:spPr>
+          <c:marker>
+            <c:symbol val="none"/>
+          </c:marker>
+          <c:dPt>
+            <c:idx val="95"/>
+            <c:marker>
+              <c:symbol val="circle"/>
+              <c:size val="4"/>
+              <c:spPr>
+                <a:solidFill>
+                  <a:schemeClr val="accent1">
+                    <a:lumMod val="60000"/>
+                    <a:lumOff val="40000"/>
+                    <a:alpha val="95000"/>
+                  </a:schemeClr>
+                </a:solidFill>
+                <a:ln w="28575">
+                  <a:solidFill>
+                    <a:schemeClr val="accent1">
+                      <a:lumMod val="60000"/>
+                      <a:lumOff val="40000"/>
+                    </a:schemeClr>
+                  </a:solidFill>
+                </a:ln>
+                <a:effectLst/>
+              </c:spPr>
+            </c:marker>
+            <c:bubble3D val="0"/>
+            <c:extLst>
+              <c:ext xmlns:c16="http://schemas.microsoft.com/office/drawing/2014/chart" uri="{C3380CC4-5D6E-409C-BE32-E72D297353CC}">
+                <c16:uniqueId val="{00000005-10A9-46DE-9F3E-592EBFCCC5B5}"/>
+              </c:ext>
+            </c:extLst>
+          </c:dPt>
+          <c:dLbls>
+            <c:dLbl>
+              <c:idx val="95"/>
+              <c:showLegendKey val="0"/>
+              <c:showVal val="1"/>
+              <c:showCatName val="0"/>
+              <c:showSerName val="0"/>
+              <c:showPercent val="0"/>
+              <c:showBubbleSize val="0"/>
+              <c:extLst>
+                <c:ext xmlns:c15="http://schemas.microsoft.com/office/drawing/2012/chart" uri="{CE6537A1-D6FC-4f65-9D91-7224C49458BB}"/>
+                <c:ext xmlns:c16="http://schemas.microsoft.com/office/drawing/2014/chart" uri="{C3380CC4-5D6E-409C-BE32-E72D297353CC}">
+                  <c16:uniqueId val="{00000005-10A9-46DE-9F3E-592EBFCCC5B5}"/>
+                </c:ext>
+              </c:extLst>
+            </c:dLbl>
+            <c:numFmt formatCode="#,##0" sourceLinked="0"/>
+            <c:spPr>
+              <a:noFill/>
+              <a:ln>
+                <a:noFill/>
+              </a:ln>
+              <a:effectLst/>
+            </c:spPr>
+            <c:txPr>
+              <a:bodyPr rot="0" spcFirstLastPara="1" vertOverflow="ellipsis" vert="horz" wrap="square" lIns="38100" tIns="19050" rIns="38100" bIns="19050" anchor="ctr" anchorCtr="1">
+                <a:spAutoFit/>
+              </a:bodyPr>
+              <a:lstStyle/>
+              <a:p>
+                <a:pPr>
+                  <a:defRPr sz="1197" b="0" i="0" u="none" strike="noStrike" kern="1200" baseline="0">
+                    <a:solidFill>
+                      <a:schemeClr val="accent1">
+                        <a:lumMod val="60000"/>
+                        <a:lumOff val="40000"/>
+                      </a:schemeClr>
+                    </a:solidFill>
+                    <a:latin typeface="+mn-lt"/>
+                    <a:ea typeface="+mn-ea"/>
+                    <a:cs typeface="+mn-cs"/>
+                  </a:defRPr>
+                </a:pPr>
+                <a:endParaRPr lang="en-US"/>
+              </a:p>
+            </c:txPr>
+            <c:showLegendKey val="0"/>
+            <c:showVal val="0"/>
+            <c:showCatName val="0"/>
+            <c:showSerName val="0"/>
+            <c:showPercent val="0"/>
+            <c:showBubbleSize val="0"/>
+            <c:extLst>
+              <c:ext xmlns:c15="http://schemas.microsoft.com/office/drawing/2012/chart" uri="{CE6537A1-D6FC-4f65-9D91-7224C49458BB}">
+                <c15:showLeaderLines val="1"/>
+                <c15:leaderLines>
+                  <c:spPr>
+                    <a:ln w="9525" cap="flat" cmpd="sng" algn="ctr">
+                      <a:solidFill>
+                        <a:schemeClr val="tx1">
+                          <a:lumMod val="35000"/>
+                          <a:lumOff val="65000"/>
+                        </a:schemeClr>
+                      </a:solidFill>
+                      <a:round/>
+                    </a:ln>
+                    <a:effectLst/>
+                  </c:spPr>
+                </c15:leaderLines>
+              </c:ext>
+            </c:extLst>
+          </c:dLbls>
+          <c:cat>
+            <c:numRef>
+              <c:f>Sheet1!$A$2:$A$97</c:f>
+              <c:numCache>
+                <c:formatCode>[$-409]mmmm\ yyyy;@</c:formatCode>
+                <c:ptCount val="96"/>
+                <c:pt idx="0">
+                  <c:v>41091</c:v>
+                </c:pt>
+                <c:pt idx="1">
+                  <c:v>41122</c:v>
+                </c:pt>
+                <c:pt idx="2">
+                  <c:v>41153</c:v>
+                </c:pt>
+                <c:pt idx="3">
+                  <c:v>41183</c:v>
+                </c:pt>
+                <c:pt idx="4">
+                  <c:v>41214</c:v>
+                </c:pt>
+                <c:pt idx="5">
+                  <c:v>41244</c:v>
+                </c:pt>
+                <c:pt idx="6">
+                  <c:v>41275</c:v>
+                </c:pt>
+                <c:pt idx="7">
+                  <c:v>41306</c:v>
+                </c:pt>
+                <c:pt idx="8">
+                  <c:v>41334</c:v>
+                </c:pt>
+                <c:pt idx="9">
+                  <c:v>41365</c:v>
+                </c:pt>
+                <c:pt idx="10">
+                  <c:v>41395</c:v>
+                </c:pt>
+                <c:pt idx="11">
+                  <c:v>41426</c:v>
+                </c:pt>
+                <c:pt idx="12">
+                  <c:v>41456</c:v>
+                </c:pt>
+                <c:pt idx="13">
+                  <c:v>41487</c:v>
+                </c:pt>
+                <c:pt idx="14">
+                  <c:v>41518</c:v>
+                </c:pt>
+                <c:pt idx="15">
+                  <c:v>41548</c:v>
+                </c:pt>
+                <c:pt idx="16">
+                  <c:v>41579</c:v>
+                </c:pt>
+                <c:pt idx="17">
+                  <c:v>41609</c:v>
+                </c:pt>
+                <c:pt idx="18">
+                  <c:v>41640</c:v>
+                </c:pt>
+                <c:pt idx="19">
+                  <c:v>41671</c:v>
+                </c:pt>
+                <c:pt idx="20">
+                  <c:v>41699</c:v>
+                </c:pt>
+                <c:pt idx="21">
+                  <c:v>41730</c:v>
+                </c:pt>
+                <c:pt idx="22">
+                  <c:v>41760</c:v>
+                </c:pt>
+                <c:pt idx="23">
+                  <c:v>41791</c:v>
+                </c:pt>
+                <c:pt idx="24">
+                  <c:v>41821</c:v>
+                </c:pt>
+                <c:pt idx="25">
+                  <c:v>41852</c:v>
+                </c:pt>
+                <c:pt idx="26">
+                  <c:v>41883</c:v>
+                </c:pt>
+                <c:pt idx="27">
+                  <c:v>41913</c:v>
+                </c:pt>
+                <c:pt idx="28">
+                  <c:v>41944</c:v>
+                </c:pt>
+                <c:pt idx="29">
+                  <c:v>41974</c:v>
+                </c:pt>
+                <c:pt idx="30">
+                  <c:v>42005</c:v>
+                </c:pt>
+                <c:pt idx="31">
+                  <c:v>42036</c:v>
+                </c:pt>
+                <c:pt idx="32">
+                  <c:v>42064</c:v>
+                </c:pt>
+                <c:pt idx="33">
+                  <c:v>42095</c:v>
+                </c:pt>
+                <c:pt idx="34">
+                  <c:v>42125</c:v>
+                </c:pt>
+                <c:pt idx="35">
+                  <c:v>42156</c:v>
+                </c:pt>
+                <c:pt idx="36">
+                  <c:v>42186</c:v>
+                </c:pt>
+                <c:pt idx="37">
+                  <c:v>42217</c:v>
+                </c:pt>
+                <c:pt idx="38">
+                  <c:v>42248</c:v>
+                </c:pt>
+                <c:pt idx="39">
+                  <c:v>42278</c:v>
+                </c:pt>
+                <c:pt idx="40">
+                  <c:v>42309</c:v>
+                </c:pt>
+                <c:pt idx="41">
+                  <c:v>42339</c:v>
+                </c:pt>
+                <c:pt idx="42">
+                  <c:v>42370</c:v>
+                </c:pt>
+                <c:pt idx="43">
+                  <c:v>42401</c:v>
+                </c:pt>
+                <c:pt idx="44">
+                  <c:v>42430</c:v>
+                </c:pt>
+                <c:pt idx="45">
+                  <c:v>42461</c:v>
+                </c:pt>
+                <c:pt idx="46">
+                  <c:v>42491</c:v>
+                </c:pt>
+                <c:pt idx="47">
+                  <c:v>42522</c:v>
+                </c:pt>
+                <c:pt idx="48">
+                  <c:v>42552</c:v>
+                </c:pt>
+                <c:pt idx="49">
+                  <c:v>42583</c:v>
+                </c:pt>
+                <c:pt idx="50">
+                  <c:v>42614</c:v>
+                </c:pt>
+                <c:pt idx="51">
+                  <c:v>42644</c:v>
+                </c:pt>
+                <c:pt idx="52">
+                  <c:v>42675</c:v>
+                </c:pt>
+                <c:pt idx="53">
+                  <c:v>42705</c:v>
+                </c:pt>
+                <c:pt idx="54">
+                  <c:v>42736</c:v>
+                </c:pt>
+                <c:pt idx="55">
+                  <c:v>42767</c:v>
+                </c:pt>
+                <c:pt idx="56">
+                  <c:v>42795</c:v>
+                </c:pt>
+                <c:pt idx="57">
+                  <c:v>42826</c:v>
+                </c:pt>
+                <c:pt idx="58">
+                  <c:v>42856</c:v>
+                </c:pt>
+                <c:pt idx="59">
+                  <c:v>42887</c:v>
+                </c:pt>
+                <c:pt idx="60">
+                  <c:v>42917</c:v>
+                </c:pt>
+                <c:pt idx="61">
+                  <c:v>42948</c:v>
+                </c:pt>
+                <c:pt idx="62">
+                  <c:v>42979</c:v>
+                </c:pt>
+                <c:pt idx="63">
+                  <c:v>43009</c:v>
+                </c:pt>
+                <c:pt idx="64">
+                  <c:v>43040</c:v>
+                </c:pt>
+                <c:pt idx="65">
+                  <c:v>43070</c:v>
+                </c:pt>
+                <c:pt idx="66">
+                  <c:v>43101</c:v>
+                </c:pt>
+                <c:pt idx="67">
+                  <c:v>43132</c:v>
+                </c:pt>
+                <c:pt idx="68">
+                  <c:v>43160</c:v>
+                </c:pt>
+                <c:pt idx="69">
+                  <c:v>43191</c:v>
+                </c:pt>
+                <c:pt idx="70">
+                  <c:v>43221</c:v>
+                </c:pt>
+                <c:pt idx="71">
+                  <c:v>43252</c:v>
+                </c:pt>
+                <c:pt idx="72">
+                  <c:v>43282</c:v>
+                </c:pt>
+                <c:pt idx="73">
+                  <c:v>43313</c:v>
+                </c:pt>
+                <c:pt idx="74">
+                  <c:v>43344</c:v>
+                </c:pt>
+                <c:pt idx="75">
+                  <c:v>43374</c:v>
+                </c:pt>
+                <c:pt idx="76">
+                  <c:v>43405</c:v>
+                </c:pt>
+                <c:pt idx="77">
+                  <c:v>43435</c:v>
+                </c:pt>
+                <c:pt idx="78">
+                  <c:v>43466</c:v>
+                </c:pt>
+                <c:pt idx="79">
+                  <c:v>43497</c:v>
+                </c:pt>
+                <c:pt idx="80">
+                  <c:v>43525</c:v>
+                </c:pt>
+                <c:pt idx="81">
+                  <c:v>43556</c:v>
+                </c:pt>
+                <c:pt idx="82">
+                  <c:v>43586</c:v>
+                </c:pt>
+                <c:pt idx="83">
+                  <c:v>43617</c:v>
+                </c:pt>
+                <c:pt idx="84">
+                  <c:v>43647</c:v>
+                </c:pt>
+                <c:pt idx="85">
+                  <c:v>43678</c:v>
+                </c:pt>
+                <c:pt idx="86">
+                  <c:v>43709</c:v>
+                </c:pt>
+                <c:pt idx="87">
+                  <c:v>43739</c:v>
+                </c:pt>
+                <c:pt idx="88">
+                  <c:v>43770</c:v>
+                </c:pt>
+                <c:pt idx="89">
+                  <c:v>43800</c:v>
+                </c:pt>
+                <c:pt idx="90">
+                  <c:v>43831</c:v>
+                </c:pt>
+                <c:pt idx="91">
+                  <c:v>43862</c:v>
+                </c:pt>
+                <c:pt idx="92">
+                  <c:v>43891</c:v>
+                </c:pt>
+                <c:pt idx="93">
+                  <c:v>43922</c:v>
+                </c:pt>
+                <c:pt idx="94">
+                  <c:v>43952</c:v>
+                </c:pt>
+                <c:pt idx="95">
+                  <c:v>43983</c:v>
+                </c:pt>
+              </c:numCache>
+            </c:numRef>
+          </c:cat>
+          <c:val>
+            <c:numRef>
+              <c:f>Sheet1!$C$2:$C$97</c:f>
+              <c:numCache>
+                <c:formatCode>General</c:formatCode>
+                <c:ptCount val="96"/>
+                <c:pt idx="84">
+                  <c:v>851.44083350000005</c:v>
+                </c:pt>
+                <c:pt idx="85">
+                  <c:v>702.54003039999998</c:v>
+                </c:pt>
+                <c:pt idx="86">
+                  <c:v>581.98467770000002</c:v>
+                </c:pt>
+                <c:pt idx="87">
+                  <c:v>489.76827100000003</c:v>
+                </c:pt>
+                <c:pt idx="88">
+                  <c:v>442.75952640000003</c:v>
+                </c:pt>
+                <c:pt idx="89">
+                  <c:v>417.12892399999998</c:v>
+                </c:pt>
+                <c:pt idx="90">
+                  <c:v>403.0639966</c:v>
+                </c:pt>
+                <c:pt idx="91">
+                  <c:v>395.31509890000001</c:v>
+                </c:pt>
+                <c:pt idx="92">
+                  <c:v>391.0359393</c:v>
+                </c:pt>
+                <c:pt idx="93">
+                  <c:v>388.66969080000001</c:v>
+                </c:pt>
+                <c:pt idx="94">
+                  <c:v>387.36023189999997</c:v>
+                </c:pt>
+                <c:pt idx="95">
+                  <c:v>386.63528200000002</c:v>
+                </c:pt>
+              </c:numCache>
+            </c:numRef>
+          </c:val>
+          <c:smooth val="0"/>
+          <c:extLst>
+            <c:ext xmlns:c16="http://schemas.microsoft.com/office/drawing/2014/chart" uri="{C3380CC4-5D6E-409C-BE32-E72D297353CC}">
+              <c16:uniqueId val="{00000001-10A9-46DE-9F3E-592EBFCCC5B5}"/>
+            </c:ext>
+          </c:extLst>
+        </c:ser>
+        <c:dLbls>
+          <c:showLegendKey val="0"/>
+          <c:showVal val="0"/>
+          <c:showCatName val="0"/>
+          <c:showSerName val="0"/>
+          <c:showPercent val="0"/>
+          <c:showBubbleSize val="0"/>
+        </c:dLbls>
+        <c:marker val="1"/>
+        <c:smooth val="0"/>
+        <c:axId val="802730704"/>
+        <c:axId val="802733904"/>
+      </c:lineChart>
+      <c:dateAx>
+        <c:axId val="802730704"/>
+        <c:scaling>
+          <c:orientation val="minMax"/>
+          <c:max val="44013"/>
+          <c:min val="42552"/>
+        </c:scaling>
+        <c:delete val="0"/>
+        <c:axPos val="b"/>
+        <c:numFmt formatCode="[$-409]mmm\ yy;@" sourceLinked="0"/>
+        <c:majorTickMark val="none"/>
+        <c:minorTickMark val="none"/>
+        <c:tickLblPos val="nextTo"/>
+        <c:spPr>
+          <a:noFill/>
+          <a:ln w="9525" cap="flat" cmpd="sng" algn="ctr">
+            <a:solidFill>
+              <a:schemeClr val="tx1">
+                <a:lumMod val="15000"/>
+                <a:lumOff val="85000"/>
+              </a:schemeClr>
+            </a:solidFill>
+            <a:round/>
+          </a:ln>
+          <a:effectLst/>
+        </c:spPr>
+        <c:txPr>
+          <a:bodyPr rot="-60000000" spcFirstLastPara="1" vertOverflow="ellipsis" vert="horz" wrap="square" anchor="ctr" anchorCtr="1"/>
+          <a:lstStyle/>
+          <a:p>
+            <a:pPr>
+              <a:defRPr sz="1197" b="0" i="0" u="none" strike="noStrike" kern="1200" baseline="0">
+                <a:solidFill>
+                  <a:schemeClr val="tx1">
+                    <a:lumMod val="50000"/>
+                    <a:lumOff val="50000"/>
+                  </a:schemeClr>
+                </a:solidFill>
+                <a:latin typeface="+mn-lt"/>
+                <a:ea typeface="+mn-ea"/>
+                <a:cs typeface="+mn-cs"/>
+              </a:defRPr>
+            </a:pPr>
+            <a:endParaRPr lang="en-US"/>
+          </a:p>
+        </c:txPr>
+        <c:crossAx val="802733904"/>
+        <c:crosses val="autoZero"/>
+        <c:auto val="1"/>
+        <c:lblOffset val="100"/>
+        <c:baseTimeUnit val="months"/>
+        <c:majorUnit val="6"/>
+        <c:majorTimeUnit val="months"/>
+      </c:dateAx>
+      <c:valAx>
+        <c:axId val="802733904"/>
+        <c:scaling>
+          <c:orientation val="minMax"/>
+          <c:min val="0"/>
+        </c:scaling>
+        <c:delete val="0"/>
+        <c:axPos val="l"/>
+        <c:title>
+          <c:overlay val="0"/>
+          <c:spPr>
+            <a:noFill/>
+            <a:ln>
+              <a:noFill/>
+            </a:ln>
+            <a:effectLst/>
+          </c:spPr>
+          <c:txPr>
+            <a:bodyPr rot="-5400000" spcFirstLastPara="1" vertOverflow="ellipsis" vert="horz" wrap="square" anchor="ctr" anchorCtr="1"/>
+            <a:lstStyle/>
+            <a:p>
+              <a:pPr>
+                <a:defRPr sz="1330" b="0" i="0" u="none" strike="noStrike" kern="1200" baseline="0">
+                  <a:solidFill>
+                    <a:schemeClr val="tx1">
+                      <a:lumMod val="50000"/>
+                      <a:lumOff val="50000"/>
+                    </a:schemeClr>
+                  </a:solidFill>
+                  <a:latin typeface="+mn-lt"/>
+                  <a:ea typeface="+mn-ea"/>
+                  <a:cs typeface="+mn-cs"/>
+                </a:defRPr>
+              </a:pPr>
+              <a:endParaRPr lang="en-US"/>
+            </a:p>
+          </c:txPr>
+        </c:title>
+        <c:numFmt formatCode="#,##0" sourceLinked="0"/>
+        <c:majorTickMark val="none"/>
+        <c:minorTickMark val="none"/>
+        <c:tickLblPos val="nextTo"/>
+        <c:spPr>
+          <a:noFill/>
+          <a:ln>
+            <a:noFill/>
+          </a:ln>
+          <a:effectLst/>
+        </c:spPr>
+        <c:txPr>
+          <a:bodyPr rot="-60000000" spcFirstLastPara="1" vertOverflow="ellipsis" vert="horz" wrap="square" anchor="ctr" anchorCtr="1"/>
+          <a:lstStyle/>
+          <a:p>
+            <a:pPr>
+              <a:defRPr sz="1197" b="0" i="0" u="none" strike="noStrike" kern="1200" baseline="0">
+                <a:solidFill>
+                  <a:schemeClr val="tx1">
+                    <a:lumMod val="50000"/>
+                    <a:lumOff val="50000"/>
+                  </a:schemeClr>
+                </a:solidFill>
+                <a:latin typeface="+mn-lt"/>
+                <a:ea typeface="+mn-ea"/>
+                <a:cs typeface="+mn-cs"/>
+              </a:defRPr>
+            </a:pPr>
+            <a:endParaRPr lang="en-US"/>
+          </a:p>
+        </c:txPr>
+        <c:crossAx val="802730704"/>
+        <c:crosses val="autoZero"/>
+        <c:crossBetween val="midCat"/>
+      </c:valAx>
+      <c:spPr>
+        <a:noFill/>
+        <a:ln>
+          <a:noFill/>
+        </a:ln>
+        <a:effectLst/>
+      </c:spPr>
+    </c:plotArea>
+    <c:plotVisOnly val="1"/>
+    <c:dispBlanksAs val="gap"/>
+    <c:extLst>
+      <c:ext xmlns:c16r3="http://schemas.microsoft.com/office/drawing/2017/03/chart" uri="{56B9EC1D-385E-4148-901F-78D8002777C0}">
+        <c16r3:dataDisplayOptions16>
+          <c16r3:dispNaAsBlank val="1"/>
+        </c16r3:dataDisplayOptions16>
+      </c:ext>
+    </c:extLst>
+    <c:showDLblsOverMax val="0"/>
+  </c:chart>
+  <c:spPr>
+    <a:noFill/>
+    <a:ln>
+      <a:noFill/>
+    </a:ln>
+    <a:effectLst/>
+  </c:spPr>
+  <c:txPr>
+    <a:bodyPr/>
+    <a:lstStyle/>
+    <a:p>
+      <a:pPr>
+        <a:defRPr/>
+      </a:pPr>
+      <a:endParaRPr lang="en-US"/>
+    </a:p>
+  </c:txPr>
+  <c:externalData r:id="rId3">
+    <c:autoUpdate val="0"/>
+  </c:externalData>
+</c:chartSpace>
+</file>
+
 <file path=ppt/charts/colors1.xml><?xml version="1.0" encoding="utf-8"?>
+<cs:colorStyle xmlns:cs="http://schemas.microsoft.com/office/drawing/2012/chartStyle" xmlns:a="http://schemas.openxmlformats.org/drawingml/2006/main" meth="cycle" id="10">
+  <a:schemeClr val="accent1"/>
+  <a:schemeClr val="accent2"/>
+  <a:schemeClr val="accent3"/>
+  <a:schemeClr val="accent4"/>
+  <a:schemeClr val="accent5"/>
+  <a:schemeClr val="accent6"/>
+  <cs:variation/>
+  <cs:variation>
+    <a:lumMod val="60000"/>
+  </cs:variation>
+  <cs:variation>
+    <a:lumMod val="80000"/>
+    <a:lumOff val="20000"/>
+  </cs:variation>
+  <cs:variation>
+    <a:lumMod val="80000"/>
+  </cs:variation>
+  <cs:variation>
+    <a:lumMod val="60000"/>
+    <a:lumOff val="40000"/>
+  </cs:variation>
+  <cs:variation>
+    <a:lumMod val="50000"/>
+  </cs:variation>
+  <cs:variation>
+    <a:lumMod val="70000"/>
+    <a:lumOff val="30000"/>
+  </cs:variation>
+  <cs:variation>
+    <a:lumMod val="70000"/>
+  </cs:variation>
+  <cs:variation>
+    <a:lumMod val="50000"/>
+    <a:lumOff val="50000"/>
+  </cs:variation>
+</cs:colorStyle>
+</file>
+
+<file path=ppt/charts/colors2.xml><?xml version="1.0" encoding="utf-8"?>
 <cs:colorStyle xmlns:cs="http://schemas.microsoft.com/office/drawing/2012/chartStyle" xmlns:a="http://schemas.openxmlformats.org/drawingml/2006/main" meth="cycle" id="10">
   <a:schemeClr val="accent1"/>
   <a:schemeClr val="accent2"/>
@@ -1784,6 +4001,522 @@
 </cs:chartStyle>
 </file>
 
+<file path=ppt/charts/style2.xml><?xml version="1.0" encoding="utf-8"?>
+<cs:chartStyle xmlns:cs="http://schemas.microsoft.com/office/drawing/2012/chartStyle" xmlns:a="http://schemas.openxmlformats.org/drawingml/2006/main" id="227">
+  <cs:axisTitle>
+    <cs:lnRef idx="0"/>
+    <cs:fillRef idx="0"/>
+    <cs:effectRef idx="0"/>
+    <cs:fontRef idx="minor">
+      <a:schemeClr val="tx1">
+        <a:lumMod val="65000"/>
+        <a:lumOff val="35000"/>
+      </a:schemeClr>
+    </cs:fontRef>
+    <cs:defRPr sz="1330" kern="1200"/>
+  </cs:axisTitle>
+  <cs:categoryAxis>
+    <cs:lnRef idx="0"/>
+    <cs:fillRef idx="0"/>
+    <cs:effectRef idx="0"/>
+    <cs:fontRef idx="minor">
+      <a:schemeClr val="tx1">
+        <a:lumMod val="65000"/>
+        <a:lumOff val="35000"/>
+      </a:schemeClr>
+    </cs:fontRef>
+    <cs:spPr>
+      <a:ln w="9525" cap="flat" cmpd="sng" algn="ctr">
+        <a:solidFill>
+          <a:schemeClr val="tx1">
+            <a:lumMod val="15000"/>
+            <a:lumOff val="85000"/>
+          </a:schemeClr>
+        </a:solidFill>
+        <a:round/>
+      </a:ln>
+    </cs:spPr>
+    <cs:defRPr sz="1197" kern="1200"/>
+  </cs:categoryAxis>
+  <cs:chartArea mods="allowNoFillOverride allowNoLineOverride">
+    <cs:lnRef idx="0"/>
+    <cs:fillRef idx="0"/>
+    <cs:effectRef idx="0"/>
+    <cs:fontRef idx="minor">
+      <a:schemeClr val="tx1"/>
+    </cs:fontRef>
+    <cs:spPr>
+      <a:solidFill>
+        <a:schemeClr val="bg1"/>
+      </a:solidFill>
+      <a:ln w="9525" cap="flat" cmpd="sng" algn="ctr">
+        <a:solidFill>
+          <a:schemeClr val="tx1">
+            <a:lumMod val="15000"/>
+            <a:lumOff val="85000"/>
+          </a:schemeClr>
+        </a:solidFill>
+        <a:round/>
+      </a:ln>
+    </cs:spPr>
+    <cs:defRPr sz="1330" kern="1200"/>
+  </cs:chartArea>
+  <cs:dataLabel>
+    <cs:lnRef idx="0"/>
+    <cs:fillRef idx="0"/>
+    <cs:effectRef idx="0"/>
+    <cs:fontRef idx="minor">
+      <a:schemeClr val="tx1">
+        <a:lumMod val="75000"/>
+        <a:lumOff val="25000"/>
+      </a:schemeClr>
+    </cs:fontRef>
+    <cs:defRPr sz="1197" kern="1200"/>
+  </cs:dataLabel>
+  <cs:dataLabelCallout>
+    <cs:lnRef idx="0"/>
+    <cs:fillRef idx="0"/>
+    <cs:effectRef idx="0"/>
+    <cs:fontRef idx="minor">
+      <a:schemeClr val="dk1">
+        <a:lumMod val="65000"/>
+        <a:lumOff val="35000"/>
+      </a:schemeClr>
+    </cs:fontRef>
+    <cs:spPr>
+      <a:solidFill>
+        <a:schemeClr val="lt1"/>
+      </a:solidFill>
+      <a:ln>
+        <a:solidFill>
+          <a:schemeClr val="dk1">
+            <a:lumMod val="25000"/>
+            <a:lumOff val="75000"/>
+          </a:schemeClr>
+        </a:solidFill>
+      </a:ln>
+    </cs:spPr>
+    <cs:defRPr sz="1197" kern="1200"/>
+    <cs:bodyPr rot="0" spcFirstLastPara="1" vertOverflow="clip" horzOverflow="clip" vert="horz" wrap="square" lIns="36576" tIns="18288" rIns="36576" bIns="18288" anchor="ctr" anchorCtr="1">
+      <a:spAutoFit/>
+    </cs:bodyPr>
+  </cs:dataLabelCallout>
+  <cs:dataPoint>
+    <cs:lnRef idx="0"/>
+    <cs:fillRef idx="1">
+      <cs:styleClr val="auto"/>
+    </cs:fillRef>
+    <cs:effectRef idx="0"/>
+    <cs:fontRef idx="minor">
+      <a:schemeClr val="tx1"/>
+    </cs:fontRef>
+    <cs:spPr>
+      <a:solidFill>
+        <a:schemeClr val="phClr"/>
+      </a:solidFill>
+    </cs:spPr>
+  </cs:dataPoint>
+  <cs:dataPoint3D>
+    <cs:lnRef idx="0"/>
+    <cs:fillRef idx="1">
+      <cs:styleClr val="auto"/>
+    </cs:fillRef>
+    <cs:effectRef idx="0"/>
+    <cs:fontRef idx="minor">
+      <a:schemeClr val="tx1"/>
+    </cs:fontRef>
+    <cs:spPr>
+      <a:solidFill>
+        <a:schemeClr val="phClr"/>
+      </a:solidFill>
+    </cs:spPr>
+  </cs:dataPoint3D>
+  <cs:dataPointLine>
+    <cs:lnRef idx="0">
+      <cs:styleClr val="auto"/>
+    </cs:lnRef>
+    <cs:fillRef idx="1"/>
+    <cs:effectRef idx="0"/>
+    <cs:fontRef idx="minor">
+      <a:schemeClr val="tx1"/>
+    </cs:fontRef>
+    <cs:spPr>
+      <a:ln w="28575" cap="rnd">
+        <a:solidFill>
+          <a:schemeClr val="phClr"/>
+        </a:solidFill>
+        <a:round/>
+      </a:ln>
+    </cs:spPr>
+  </cs:dataPointLine>
+  <cs:dataPointMarker>
+    <cs:lnRef idx="0">
+      <cs:styleClr val="auto"/>
+    </cs:lnRef>
+    <cs:fillRef idx="1">
+      <cs:styleClr val="auto"/>
+    </cs:fillRef>
+    <cs:effectRef idx="0"/>
+    <cs:fontRef idx="minor">
+      <a:schemeClr val="tx1"/>
+    </cs:fontRef>
+    <cs:spPr>
+      <a:solidFill>
+        <a:schemeClr val="phClr"/>
+      </a:solidFill>
+      <a:ln w="9525">
+        <a:solidFill>
+          <a:schemeClr val="phClr"/>
+        </a:solidFill>
+      </a:ln>
+    </cs:spPr>
+  </cs:dataPointMarker>
+  <cs:dataPointMarkerLayout symbol="circle" size="5"/>
+  <cs:dataPointWireframe>
+    <cs:lnRef idx="0">
+      <cs:styleClr val="auto"/>
+    </cs:lnRef>
+    <cs:fillRef idx="1"/>
+    <cs:effectRef idx="0"/>
+    <cs:fontRef idx="minor">
+      <a:schemeClr val="tx1"/>
+    </cs:fontRef>
+    <cs:spPr>
+      <a:ln w="9525" cap="rnd">
+        <a:solidFill>
+          <a:schemeClr val="phClr"/>
+        </a:solidFill>
+        <a:round/>
+      </a:ln>
+    </cs:spPr>
+  </cs:dataPointWireframe>
+  <cs:dataTable>
+    <cs:lnRef idx="0"/>
+    <cs:fillRef idx="0"/>
+    <cs:effectRef idx="0"/>
+    <cs:fontRef idx="minor">
+      <a:schemeClr val="tx1">
+        <a:lumMod val="65000"/>
+        <a:lumOff val="35000"/>
+      </a:schemeClr>
+    </cs:fontRef>
+    <cs:spPr>
+      <a:noFill/>
+      <a:ln w="9525" cap="flat" cmpd="sng" algn="ctr">
+        <a:solidFill>
+          <a:schemeClr val="tx1">
+            <a:lumMod val="15000"/>
+            <a:lumOff val="85000"/>
+          </a:schemeClr>
+        </a:solidFill>
+        <a:round/>
+      </a:ln>
+    </cs:spPr>
+    <cs:defRPr sz="1197" kern="1200"/>
+  </cs:dataTable>
+  <cs:downBar>
+    <cs:lnRef idx="0"/>
+    <cs:fillRef idx="0"/>
+    <cs:effectRef idx="0"/>
+    <cs:fontRef idx="minor">
+      <a:schemeClr val="dk1"/>
+    </cs:fontRef>
+    <cs:spPr>
+      <a:solidFill>
+        <a:schemeClr val="dk1">
+          <a:lumMod val="65000"/>
+          <a:lumOff val="35000"/>
+        </a:schemeClr>
+      </a:solidFill>
+      <a:ln w="9525">
+        <a:solidFill>
+          <a:schemeClr val="tx1">
+            <a:lumMod val="65000"/>
+            <a:lumOff val="35000"/>
+          </a:schemeClr>
+        </a:solidFill>
+      </a:ln>
+    </cs:spPr>
+  </cs:downBar>
+  <cs:dropLine>
+    <cs:lnRef idx="0"/>
+    <cs:fillRef idx="0"/>
+    <cs:effectRef idx="0"/>
+    <cs:fontRef idx="minor">
+      <a:schemeClr val="tx1"/>
+    </cs:fontRef>
+    <cs:spPr>
+      <a:ln w="9525" cap="flat" cmpd="sng" algn="ctr">
+        <a:solidFill>
+          <a:schemeClr val="tx1">
+            <a:lumMod val="35000"/>
+            <a:lumOff val="65000"/>
+          </a:schemeClr>
+        </a:solidFill>
+        <a:round/>
+      </a:ln>
+    </cs:spPr>
+  </cs:dropLine>
+  <cs:errorBar>
+    <cs:lnRef idx="0"/>
+    <cs:fillRef idx="0"/>
+    <cs:effectRef idx="0"/>
+    <cs:fontRef idx="minor">
+      <a:schemeClr val="tx1"/>
+    </cs:fontRef>
+    <cs:spPr>
+      <a:ln w="9525" cap="flat" cmpd="sng" algn="ctr">
+        <a:solidFill>
+          <a:schemeClr val="tx1">
+            <a:lumMod val="65000"/>
+            <a:lumOff val="35000"/>
+          </a:schemeClr>
+        </a:solidFill>
+        <a:round/>
+      </a:ln>
+    </cs:spPr>
+  </cs:errorBar>
+  <cs:floor>
+    <cs:lnRef idx="0"/>
+    <cs:fillRef idx="0"/>
+    <cs:effectRef idx="0"/>
+    <cs:fontRef idx="minor">
+      <a:schemeClr val="tx1"/>
+    </cs:fontRef>
+    <cs:spPr>
+      <a:noFill/>
+      <a:ln>
+        <a:noFill/>
+      </a:ln>
+    </cs:spPr>
+  </cs:floor>
+  <cs:gridlineMajor>
+    <cs:lnRef idx="0"/>
+    <cs:fillRef idx="0"/>
+    <cs:effectRef idx="0"/>
+    <cs:fontRef idx="minor">
+      <a:schemeClr val="tx1"/>
+    </cs:fontRef>
+    <cs:spPr>
+      <a:ln w="9525" cap="flat" cmpd="sng" algn="ctr">
+        <a:solidFill>
+          <a:schemeClr val="tx1">
+            <a:lumMod val="15000"/>
+            <a:lumOff val="85000"/>
+          </a:schemeClr>
+        </a:solidFill>
+        <a:round/>
+      </a:ln>
+    </cs:spPr>
+  </cs:gridlineMajor>
+  <cs:gridlineMinor>
+    <cs:lnRef idx="0"/>
+    <cs:fillRef idx="0"/>
+    <cs:effectRef idx="0"/>
+    <cs:fontRef idx="minor">
+      <a:schemeClr val="tx1"/>
+    </cs:fontRef>
+    <cs:spPr>
+      <a:ln w="9525" cap="flat" cmpd="sng" algn="ctr">
+        <a:solidFill>
+          <a:schemeClr val="tx1">
+            <a:lumMod val="5000"/>
+            <a:lumOff val="95000"/>
+          </a:schemeClr>
+        </a:solidFill>
+        <a:round/>
+      </a:ln>
+    </cs:spPr>
+  </cs:gridlineMinor>
+  <cs:hiLoLine>
+    <cs:lnRef idx="0"/>
+    <cs:fillRef idx="0"/>
+    <cs:effectRef idx="0"/>
+    <cs:fontRef idx="minor">
+      <a:schemeClr val="tx1"/>
+    </cs:fontRef>
+    <cs:spPr>
+      <a:ln w="9525" cap="flat" cmpd="sng" algn="ctr">
+        <a:solidFill>
+          <a:schemeClr val="tx1">
+            <a:lumMod val="75000"/>
+            <a:lumOff val="25000"/>
+          </a:schemeClr>
+        </a:solidFill>
+        <a:round/>
+      </a:ln>
+    </cs:spPr>
+  </cs:hiLoLine>
+  <cs:leaderLine>
+    <cs:lnRef idx="0"/>
+    <cs:fillRef idx="0"/>
+    <cs:effectRef idx="0"/>
+    <cs:fontRef idx="minor">
+      <a:schemeClr val="tx1"/>
+    </cs:fontRef>
+    <cs:spPr>
+      <a:ln w="9525" cap="flat" cmpd="sng" algn="ctr">
+        <a:solidFill>
+          <a:schemeClr val="tx1">
+            <a:lumMod val="35000"/>
+            <a:lumOff val="65000"/>
+          </a:schemeClr>
+        </a:solidFill>
+        <a:round/>
+      </a:ln>
+    </cs:spPr>
+  </cs:leaderLine>
+  <cs:legend>
+    <cs:lnRef idx="0"/>
+    <cs:fillRef idx="0"/>
+    <cs:effectRef idx="0"/>
+    <cs:fontRef idx="minor">
+      <a:schemeClr val="tx1">
+        <a:lumMod val="65000"/>
+        <a:lumOff val="35000"/>
+      </a:schemeClr>
+    </cs:fontRef>
+    <cs:defRPr sz="1197" kern="1200"/>
+  </cs:legend>
+  <cs:plotArea mods="allowNoFillOverride allowNoLineOverride">
+    <cs:lnRef idx="0"/>
+    <cs:fillRef idx="0"/>
+    <cs:effectRef idx="0"/>
+    <cs:fontRef idx="minor">
+      <a:schemeClr val="tx1"/>
+    </cs:fontRef>
+  </cs:plotArea>
+  <cs:plotArea3D mods="allowNoFillOverride allowNoLineOverride">
+    <cs:lnRef idx="0"/>
+    <cs:fillRef idx="0"/>
+    <cs:effectRef idx="0"/>
+    <cs:fontRef idx="minor">
+      <a:schemeClr val="tx1"/>
+    </cs:fontRef>
+  </cs:plotArea3D>
+  <cs:seriesAxis>
+    <cs:lnRef idx="0"/>
+    <cs:fillRef idx="0"/>
+    <cs:effectRef idx="0"/>
+    <cs:fontRef idx="minor">
+      <a:schemeClr val="tx1">
+        <a:lumMod val="65000"/>
+        <a:lumOff val="35000"/>
+      </a:schemeClr>
+    </cs:fontRef>
+    <cs:defRPr sz="1197" kern="1200"/>
+  </cs:seriesAxis>
+  <cs:seriesLine>
+    <cs:lnRef idx="0"/>
+    <cs:fillRef idx="0"/>
+    <cs:effectRef idx="0"/>
+    <cs:fontRef idx="minor">
+      <a:schemeClr val="tx1"/>
+    </cs:fontRef>
+    <cs:spPr>
+      <a:ln w="9525" cap="flat" cmpd="sng" algn="ctr">
+        <a:solidFill>
+          <a:schemeClr val="tx1">
+            <a:lumMod val="35000"/>
+            <a:lumOff val="65000"/>
+          </a:schemeClr>
+        </a:solidFill>
+        <a:round/>
+      </a:ln>
+    </cs:spPr>
+  </cs:seriesLine>
+  <cs:title>
+    <cs:lnRef idx="0"/>
+    <cs:fillRef idx="0"/>
+    <cs:effectRef idx="0"/>
+    <cs:fontRef idx="minor">
+      <a:schemeClr val="tx1">
+        <a:lumMod val="65000"/>
+        <a:lumOff val="35000"/>
+      </a:schemeClr>
+    </cs:fontRef>
+    <cs:defRPr sz="1862" b="0" kern="1200" spc="0" baseline="0"/>
+  </cs:title>
+  <cs:trendline>
+    <cs:lnRef idx="0">
+      <cs:styleClr val="auto"/>
+    </cs:lnRef>
+    <cs:fillRef idx="0"/>
+    <cs:effectRef idx="0"/>
+    <cs:fontRef idx="minor">
+      <a:schemeClr val="tx1"/>
+    </cs:fontRef>
+    <cs:spPr>
+      <a:ln w="19050" cap="rnd">
+        <a:solidFill>
+          <a:schemeClr val="phClr"/>
+        </a:solidFill>
+        <a:prstDash val="sysDot"/>
+      </a:ln>
+    </cs:spPr>
+  </cs:trendline>
+  <cs:trendlineLabel>
+    <cs:lnRef idx="0"/>
+    <cs:fillRef idx="0"/>
+    <cs:effectRef idx="0"/>
+    <cs:fontRef idx="minor">
+      <a:schemeClr val="tx1">
+        <a:lumMod val="65000"/>
+        <a:lumOff val="35000"/>
+      </a:schemeClr>
+    </cs:fontRef>
+    <cs:defRPr sz="1197" kern="1200"/>
+  </cs:trendlineLabel>
+  <cs:upBar>
+    <cs:lnRef idx="0"/>
+    <cs:fillRef idx="0"/>
+    <cs:effectRef idx="0"/>
+    <cs:fontRef idx="minor">
+      <a:schemeClr val="dk1"/>
+    </cs:fontRef>
+    <cs:spPr>
+      <a:solidFill>
+        <a:schemeClr val="lt1"/>
+      </a:solidFill>
+      <a:ln w="9525">
+        <a:solidFill>
+          <a:schemeClr val="tx1">
+            <a:lumMod val="15000"/>
+            <a:lumOff val="85000"/>
+          </a:schemeClr>
+        </a:solidFill>
+      </a:ln>
+    </cs:spPr>
+  </cs:upBar>
+  <cs:valueAxis>
+    <cs:lnRef idx="0"/>
+    <cs:fillRef idx="0"/>
+    <cs:effectRef idx="0"/>
+    <cs:fontRef idx="minor">
+      <a:schemeClr val="tx1">
+        <a:lumMod val="65000"/>
+        <a:lumOff val="35000"/>
+      </a:schemeClr>
+    </cs:fontRef>
+    <cs:defRPr sz="1197" kern="1200"/>
+  </cs:valueAxis>
+  <cs:wall>
+    <cs:lnRef idx="0"/>
+    <cs:fillRef idx="0"/>
+    <cs:effectRef idx="0"/>
+    <cs:fontRef idx="minor">
+      <a:schemeClr val="tx1"/>
+    </cs:fontRef>
+    <cs:spPr>
+      <a:noFill/>
+      <a:ln>
+        <a:noFill/>
+      </a:ln>
+    </cs:spPr>
+  </cs:wall>
+</cs:chartStyle>
+</file>
+
 <file path=ppt/slideLayouts/slideLayout1.xml><?xml version="1.0" encoding="utf-8"?>
 <p:sldLayout xmlns:a="http://schemas.openxmlformats.org/drawingml/2006/main" xmlns:r="http://schemas.openxmlformats.org/officeDocument/2006/relationships" xmlns:p="http://schemas.openxmlformats.org/presentationml/2006/main" type="title" preserve="1">
   <p:cSld name="Title Slide">
@@ -1915,7 +4648,7 @@
           <a:p>
             <a:fld id="{1ED6B14A-890B-41B1-BF8F-0DE335D705D5}" type="datetimeFigureOut">
               <a:rPr lang="en-US" smtClean="0"/>
-              <a:t>7/29/2019</a:t>
+              <a:t>7/30/2019</a:t>
             </a:fld>
             <a:endParaRPr lang="en-US"/>
           </a:p>
@@ -2085,7 +4818,7 @@
           <a:p>
             <a:fld id="{1ED6B14A-890B-41B1-BF8F-0DE335D705D5}" type="datetimeFigureOut">
               <a:rPr lang="en-US" smtClean="0"/>
-              <a:t>7/29/2019</a:t>
+              <a:t>7/30/2019</a:t>
             </a:fld>
             <a:endParaRPr lang="en-US"/>
           </a:p>
@@ -2265,7 +4998,7 @@
           <a:p>
             <a:fld id="{1ED6B14A-890B-41B1-BF8F-0DE335D705D5}" type="datetimeFigureOut">
               <a:rPr lang="en-US" smtClean="0"/>
-              <a:t>7/29/2019</a:t>
+              <a:t>7/30/2019</a:t>
             </a:fld>
             <a:endParaRPr lang="en-US"/>
           </a:p>
@@ -2435,7 +5168,7 @@
           <a:p>
             <a:fld id="{1ED6B14A-890B-41B1-BF8F-0DE335D705D5}" type="datetimeFigureOut">
               <a:rPr lang="en-US" smtClean="0"/>
-              <a:t>7/29/2019</a:t>
+              <a:t>7/30/2019</a:t>
             </a:fld>
             <a:endParaRPr lang="en-US"/>
           </a:p>
@@ -2679,7 +5412,7 @@
           <a:p>
             <a:fld id="{1ED6B14A-890B-41B1-BF8F-0DE335D705D5}" type="datetimeFigureOut">
               <a:rPr lang="en-US" smtClean="0"/>
-              <a:t>7/29/2019</a:t>
+              <a:t>7/30/2019</a:t>
             </a:fld>
             <a:endParaRPr lang="en-US"/>
           </a:p>
@@ -2911,7 +5644,7 @@
           <a:p>
             <a:fld id="{1ED6B14A-890B-41B1-BF8F-0DE335D705D5}" type="datetimeFigureOut">
               <a:rPr lang="en-US" smtClean="0"/>
-              <a:t>7/29/2019</a:t>
+              <a:t>7/30/2019</a:t>
             </a:fld>
             <a:endParaRPr lang="en-US"/>
           </a:p>
@@ -3278,7 +6011,7 @@
           <a:p>
             <a:fld id="{1ED6B14A-890B-41B1-BF8F-0DE335D705D5}" type="datetimeFigureOut">
               <a:rPr lang="en-US" smtClean="0"/>
-              <a:t>7/29/2019</a:t>
+              <a:t>7/30/2019</a:t>
             </a:fld>
             <a:endParaRPr lang="en-US"/>
           </a:p>
@@ -3396,7 +6129,7 @@
           <a:p>
             <a:fld id="{1ED6B14A-890B-41B1-BF8F-0DE335D705D5}" type="datetimeFigureOut">
               <a:rPr lang="en-US" smtClean="0"/>
-              <a:t>7/29/2019</a:t>
+              <a:t>7/30/2019</a:t>
             </a:fld>
             <a:endParaRPr lang="en-US"/>
           </a:p>
@@ -3491,7 +6224,7 @@
           <a:p>
             <a:fld id="{1ED6B14A-890B-41B1-BF8F-0DE335D705D5}" type="datetimeFigureOut">
               <a:rPr lang="en-US" smtClean="0"/>
-              <a:t>7/29/2019</a:t>
+              <a:t>7/30/2019</a:t>
             </a:fld>
             <a:endParaRPr lang="en-US"/>
           </a:p>
@@ -3768,7 +6501,7 @@
           <a:p>
             <a:fld id="{1ED6B14A-890B-41B1-BF8F-0DE335D705D5}" type="datetimeFigureOut">
               <a:rPr lang="en-US" smtClean="0"/>
-              <a:t>7/29/2019</a:t>
+              <a:t>7/30/2019</a:t>
             </a:fld>
             <a:endParaRPr lang="en-US"/>
           </a:p>
@@ -4025,7 +6758,7 @@
           <a:p>
             <a:fld id="{1ED6B14A-890B-41B1-BF8F-0DE335D705D5}" type="datetimeFigureOut">
               <a:rPr lang="en-US" smtClean="0"/>
-              <a:t>7/29/2019</a:t>
+              <a:t>7/30/2019</a:t>
             </a:fld>
             <a:endParaRPr lang="en-US"/>
           </a:p>
@@ -4238,7 +6971,7 @@
           <a:p>
             <a:fld id="{1ED6B14A-890B-41B1-BF8F-0DE335D705D5}" type="datetimeFigureOut">
               <a:rPr lang="en-US" smtClean="0"/>
-              <a:t>7/29/2019</a:t>
+              <a:t>7/30/2019</a:t>
             </a:fld>
             <a:endParaRPr lang="en-US"/>
           </a:p>
@@ -4656,14 +7389,14 @@
           <p:nvPr>
             <p:extLst>
               <p:ext uri="{D42A27DB-BD31-4B8C-83A1-F6EECF244321}">
-                <p14:modId xmlns:p14="http://schemas.microsoft.com/office/powerpoint/2010/main" val="888843479"/>
+                <p14:modId xmlns:p14="http://schemas.microsoft.com/office/powerpoint/2010/main" val="474228002"/>
               </p:ext>
             </p:extLst>
           </p:nvPr>
         </p:nvGraphicFramePr>
         <p:xfrm>
-          <a:off x="914400" y="914400"/>
-          <a:ext cx="7315200" cy="5486400"/>
+          <a:off x="457200" y="914400"/>
+          <a:ext cx="8229600" cy="5486400"/>
         </p:xfrm>
         <a:graphic>
           <a:graphicData uri="http://schemas.openxmlformats.org/drawingml/2006/chart">
@@ -4675,6 +7408,64 @@
     <p:extLst>
       <p:ext uri="{BB962C8B-B14F-4D97-AF65-F5344CB8AC3E}">
         <p14:creationId xmlns:p14="http://schemas.microsoft.com/office/powerpoint/2010/main" val="3291821820"/>
+      </p:ext>
+    </p:extLst>
+  </p:cSld>
+  <p:clrMapOvr>
+    <a:masterClrMapping/>
+  </p:clrMapOvr>
+</p:sld>
+</file>
+
+<file path=ppt/slides/slide2.xml><?xml version="1.0" encoding="utf-8"?>
+<p:sld xmlns:a="http://schemas.openxmlformats.org/drawingml/2006/main" xmlns:r="http://schemas.openxmlformats.org/officeDocument/2006/relationships" xmlns:p="http://schemas.openxmlformats.org/presentationml/2006/main">
+  <p:cSld>
+    <p:spTree>
+      <p:nvGrpSpPr>
+        <p:cNvPr id="1" name=""/>
+        <p:cNvGrpSpPr/>
+        <p:nvPr/>
+      </p:nvGrpSpPr>
+      <p:grpSpPr>
+        <a:xfrm>
+          <a:off x="0" y="0"/>
+          <a:ext cx="0" cy="0"/>
+          <a:chOff x="0" y="0"/>
+          <a:chExt cx="0" cy="0"/>
+        </a:xfrm>
+      </p:grpSpPr>
+      <p:graphicFrame>
+        <p:nvGraphicFramePr>
+          <p:cNvPr id="5" name="Chart 4">
+            <a:extLst>
+              <a:ext uri="{FF2B5EF4-FFF2-40B4-BE49-F238E27FC236}">
+                <a16:creationId xmlns:a16="http://schemas.microsoft.com/office/drawing/2014/main" id="{8CF672CF-366A-468A-93FD-F761319A27A0}"/>
+              </a:ext>
+            </a:extLst>
+          </p:cNvPr>
+          <p:cNvGraphicFramePr/>
+          <p:nvPr>
+            <p:extLst>
+              <p:ext uri="{D42A27DB-BD31-4B8C-83A1-F6EECF244321}">
+                <p14:modId xmlns:p14="http://schemas.microsoft.com/office/powerpoint/2010/main" val="1047716912"/>
+              </p:ext>
+            </p:extLst>
+          </p:nvPr>
+        </p:nvGraphicFramePr>
+        <p:xfrm>
+          <a:off x="457200" y="914400"/>
+          <a:ext cx="8229600" cy="5486400"/>
+        </p:xfrm>
+        <a:graphic>
+          <a:graphicData uri="http://schemas.openxmlformats.org/drawingml/2006/chart">
+            <c:chart xmlns:c="http://schemas.openxmlformats.org/drawingml/2006/chart" xmlns:r="http://schemas.openxmlformats.org/officeDocument/2006/relationships" r:id="rId2"/>
+          </a:graphicData>
+        </a:graphic>
+      </p:graphicFrame>
+    </p:spTree>
+    <p:extLst>
+      <p:ext uri="{BB962C8B-B14F-4D97-AF65-F5344CB8AC3E}">
+        <p14:creationId xmlns:p14="http://schemas.microsoft.com/office/powerpoint/2010/main" val="2647159856"/>
       </p:ext>
     </p:extLst>
   </p:cSld>

--- a/doc/chart_template.pptx
+++ b/doc/chart_template.pptx
@@ -116,7 +116,7 @@
 <file path=ppt/revisionInfo.xml><?xml version="1.0" encoding="utf-8"?>
 <p1510:revInfo xmlns:a="http://schemas.openxmlformats.org/drawingml/2006/main" xmlns:r="http://schemas.openxmlformats.org/officeDocument/2006/relationships" xmlns:p1510="http://schemas.microsoft.com/office/powerpoint/2015/10/main">
   <p1510:revLst>
-    <p1510:client id="{34C5BAA8-FE2E-441E-9BFF-C851BECEA749}" v="145" dt="2019-07-30T23:55:39.585"/>
+    <p1510:client id="{34C5BAA8-FE2E-441E-9BFF-C851BECEA749}" v="251" dt="2019-07-31T13:02:56.599"/>
   </p1510:revLst>
 </p1510:revInfo>
 </file>
@@ -126,18 +126,18 @@
   <pc:docChgLst>
     <pc:chgData name="Brian Gulbis" userId="8ed87ac563b1c39d" providerId="LiveId" clId="{34C5BAA8-FE2E-441E-9BFF-C851BECEA749}"/>
     <pc:docChg chg="addSld modSld">
-      <pc:chgData name="Brian Gulbis" userId="8ed87ac563b1c39d" providerId="LiveId" clId="{34C5BAA8-FE2E-441E-9BFF-C851BECEA749}" dt="2019-07-30T23:55:39.585" v="105" actId="207"/>
+      <pc:chgData name="Brian Gulbis" userId="8ed87ac563b1c39d" providerId="LiveId" clId="{34C5BAA8-FE2E-441E-9BFF-C851BECEA749}" dt="2019-07-31T13:02:56.599" v="256"/>
       <pc:docMkLst>
         <pc:docMk/>
       </pc:docMkLst>
       <pc:sldChg chg="modSp mod">
-        <pc:chgData name="Brian Gulbis" userId="8ed87ac563b1c39d" providerId="LiveId" clId="{34C5BAA8-FE2E-441E-9BFF-C851BECEA749}" dt="2019-07-30T23:55:39.585" v="105" actId="207"/>
+        <pc:chgData name="Brian Gulbis" userId="8ed87ac563b1c39d" providerId="LiveId" clId="{34C5BAA8-FE2E-441E-9BFF-C851BECEA749}" dt="2019-07-31T13:02:56.599" v="256"/>
         <pc:sldMkLst>
           <pc:docMk/>
           <pc:sldMk cId="3291821820" sldId="256"/>
         </pc:sldMkLst>
         <pc:graphicFrameChg chg="mod">
-          <ac:chgData name="Brian Gulbis" userId="8ed87ac563b1c39d" providerId="LiveId" clId="{34C5BAA8-FE2E-441E-9BFF-C851BECEA749}" dt="2019-07-30T23:55:39.585" v="105" actId="207"/>
+          <ac:chgData name="Brian Gulbis" userId="8ed87ac563b1c39d" providerId="LiveId" clId="{34C5BAA8-FE2E-441E-9BFF-C851BECEA749}" dt="2019-07-31T13:02:56.599" v="256"/>
           <ac:graphicFrameMkLst>
             <pc:docMk/>
             <pc:sldMk cId="3291821820" sldId="256"/>
@@ -146,13 +146,13 @@
         </pc:graphicFrameChg>
       </pc:sldChg>
       <pc:sldChg chg="addSp modSp add mod">
-        <pc:chgData name="Brian Gulbis" userId="8ed87ac563b1c39d" providerId="LiveId" clId="{34C5BAA8-FE2E-441E-9BFF-C851BECEA749}" dt="2019-07-30T23:55:17.426" v="103" actId="207"/>
+        <pc:chgData name="Brian Gulbis" userId="8ed87ac563b1c39d" providerId="LiveId" clId="{34C5BAA8-FE2E-441E-9BFF-C851BECEA749}" dt="2019-07-31T12:47:50.721" v="197" actId="692"/>
         <pc:sldMkLst>
           <pc:docMk/>
           <pc:sldMk cId="2647159856" sldId="257"/>
         </pc:sldMkLst>
         <pc:graphicFrameChg chg="add mod">
-          <ac:chgData name="Brian Gulbis" userId="8ed87ac563b1c39d" providerId="LiveId" clId="{34C5BAA8-FE2E-441E-9BFF-C851BECEA749}" dt="2019-07-30T23:55:17.426" v="103" actId="207"/>
+          <ac:chgData name="Brian Gulbis" userId="8ed87ac563b1c39d" providerId="LiveId" clId="{34C5BAA8-FE2E-441E-9BFF-C851BECEA749}" dt="2019-07-31T12:47:50.721" v="197" actId="692"/>
           <ac:graphicFrameMkLst>
             <pc:docMk/>
             <pc:sldMk cId="2647159856" sldId="257"/>
@@ -216,7 +216,7 @@
         <c:grouping val="standard"/>
         <c:varyColors val="0"/>
         <c:ser>
-          <c:idx val="0"/>
+          <c:idx val="3"/>
           <c:order val="0"/>
           <c:tx>
             <c:strRef>
@@ -224,7 +224,7 @@
               <c:strCache>
                 <c:ptCount val="1"/>
                 <c:pt idx="0">
-                  <c:v>FY2019</c:v>
+                  <c:v>FY19</c:v>
                 </c:pt>
               </c:strCache>
             </c:strRef>
@@ -254,7 +254,7 @@
               <c:extLst>
                 <c:ext xmlns:c15="http://schemas.microsoft.com/office/drawing/2012/chart" uri="{CE6537A1-D6FC-4f65-9D91-7224C49458BB}"/>
                 <c:ext xmlns:c16="http://schemas.microsoft.com/office/drawing/2014/chart" uri="{C3380CC4-5D6E-409C-BE32-E72D297353CC}">
-                  <c16:uniqueId val="{00000007-709A-4749-90F8-8A9C58D95792}"/>
+                  <c16:uniqueId val="{00000002-4B21-4DE2-9A2B-20D0D818C198}"/>
                 </c:ext>
               </c:extLst>
             </c:dLbl>
@@ -269,7 +269,7 @@
               <c:extLst>
                 <c:ext xmlns:c15="http://schemas.microsoft.com/office/drawing/2012/chart" uri="{CE6537A1-D6FC-4f65-9D91-7224C49458BB}"/>
                 <c:ext xmlns:c16="http://schemas.microsoft.com/office/drawing/2014/chart" uri="{C3380CC4-5D6E-409C-BE32-E72D297353CC}">
-                  <c16:uniqueId val="{00000005-709A-4749-90F8-8A9C58D95792}"/>
+                  <c16:uniqueId val="{00000001-4B21-4DE2-9A2B-20D0D818C198}"/>
                 </c:ext>
               </c:extLst>
             </c:dLbl>
@@ -330,7 +330,7 @@
             <c:numRef>
               <c:f>Sheet1!$A$2:$A$13</c:f>
               <c:numCache>
-                <c:formatCode>[$-409]mmmm\ yyyy;@</c:formatCode>
+                <c:formatCode>m/d/yyyy</c:formatCode>
                 <c:ptCount val="12"/>
                 <c:pt idx="0">
                   <c:v>43647</c:v>
@@ -419,12 +419,12 @@
           <c:smooth val="0"/>
           <c:extLst>
             <c:ext xmlns:c16="http://schemas.microsoft.com/office/drawing/2014/chart" uri="{C3380CC4-5D6E-409C-BE32-E72D297353CC}">
-              <c16:uniqueId val="{00000000-709A-4749-90F8-8A9C58D95792}"/>
+              <c16:uniqueId val="{00000000-4B21-4DE2-9A2B-20D0D818C198}"/>
             </c:ext>
           </c:extLst>
         </c:ser>
         <c:ser>
-          <c:idx val="1"/>
+          <c:idx val="2"/>
           <c:order val="1"/>
           <c:tx>
             <c:strRef>
@@ -432,7 +432,7 @@
               <c:strCache>
                 <c:ptCount val="1"/>
                 <c:pt idx="0">
-                  <c:v>FY2018</c:v>
+                  <c:v>FY18</c:v>
                 </c:pt>
               </c:strCache>
             </c:strRef>
@@ -465,7 +465,7 @@
               <c:extLst>
                 <c:ext xmlns:c15="http://schemas.microsoft.com/office/drawing/2012/chart" uri="{CE6537A1-D6FC-4f65-9D91-7224C49458BB}"/>
                 <c:ext xmlns:c16="http://schemas.microsoft.com/office/drawing/2014/chart" uri="{C3380CC4-5D6E-409C-BE32-E72D297353CC}">
-                  <c16:uniqueId val="{00000008-709A-4749-90F8-8A9C58D95792}"/>
+                  <c16:uniqueId val="{00000006-709A-4749-90F8-8A9C58D95792}"/>
                 </c:ext>
               </c:extLst>
             </c:dLbl>
@@ -480,7 +480,7 @@
               <c:extLst>
                 <c:ext xmlns:c15="http://schemas.microsoft.com/office/drawing/2012/chart" uri="{CE6537A1-D6FC-4f65-9D91-7224C49458BB}"/>
                 <c:ext xmlns:c16="http://schemas.microsoft.com/office/drawing/2014/chart" uri="{C3380CC4-5D6E-409C-BE32-E72D297353CC}">
-                  <c16:uniqueId val="{00000003-709A-4749-90F8-8A9C58D95792}"/>
+                  <c16:uniqueId val="{00000004-709A-4749-90F8-8A9C58D95792}"/>
                 </c:ext>
               </c:extLst>
             </c:dLbl>
@@ -544,7 +544,7 @@
             <c:numRef>
               <c:f>Sheet1!$A$2:$A$13</c:f>
               <c:numCache>
-                <c:formatCode>[$-409]mmmm\ yyyy;@</c:formatCode>
+                <c:formatCode>m/d/yyyy</c:formatCode>
                 <c:ptCount val="12"/>
                 <c:pt idx="0">
                   <c:v>43647</c:v>
@@ -633,12 +633,12 @@
           <c:smooth val="0"/>
           <c:extLst>
             <c:ext xmlns:c16="http://schemas.microsoft.com/office/drawing/2014/chart" uri="{C3380CC4-5D6E-409C-BE32-E72D297353CC}">
-              <c16:uniqueId val="{00000001-709A-4749-90F8-8A9C58D95792}"/>
+              <c16:uniqueId val="{00000002-709A-4749-90F8-8A9C58D95792}"/>
             </c:ext>
           </c:extLst>
         </c:ser>
         <c:ser>
-          <c:idx val="2"/>
+          <c:idx val="1"/>
           <c:order val="2"/>
           <c:tx>
             <c:strRef>
@@ -646,7 +646,7 @@
               <c:strCache>
                 <c:ptCount val="1"/>
                 <c:pt idx="0">
-                  <c:v>FY2017</c:v>
+                  <c:v>FY17</c:v>
                 </c:pt>
               </c:strCache>
             </c:strRef>
@@ -679,7 +679,7 @@
               <c:extLst>
                 <c:ext xmlns:c15="http://schemas.microsoft.com/office/drawing/2012/chart" uri="{CE6537A1-D6FC-4f65-9D91-7224C49458BB}"/>
                 <c:ext xmlns:c16="http://schemas.microsoft.com/office/drawing/2014/chart" uri="{C3380CC4-5D6E-409C-BE32-E72D297353CC}">
-                  <c16:uniqueId val="{00000006-709A-4749-90F8-8A9C58D95792}"/>
+                  <c16:uniqueId val="{00000008-709A-4749-90F8-8A9C58D95792}"/>
                 </c:ext>
               </c:extLst>
             </c:dLbl>
@@ -694,7 +694,7 @@
               <c:extLst>
                 <c:ext xmlns:c15="http://schemas.microsoft.com/office/drawing/2012/chart" uri="{CE6537A1-D6FC-4f65-9D91-7224C49458BB}"/>
                 <c:ext xmlns:c16="http://schemas.microsoft.com/office/drawing/2014/chart" uri="{C3380CC4-5D6E-409C-BE32-E72D297353CC}">
-                  <c16:uniqueId val="{00000004-709A-4749-90F8-8A9C58D95792}"/>
+                  <c16:uniqueId val="{00000003-709A-4749-90F8-8A9C58D95792}"/>
                 </c:ext>
               </c:extLst>
             </c:dLbl>
@@ -758,7 +758,7 @@
             <c:numRef>
               <c:f>Sheet1!$A$2:$A$13</c:f>
               <c:numCache>
-                <c:formatCode>[$-409]mmmm\ yyyy;@</c:formatCode>
+                <c:formatCode>m/d/yyyy</c:formatCode>
                 <c:ptCount val="12"/>
                 <c:pt idx="0">
                   <c:v>43647</c:v>
@@ -847,12 +847,12 @@
           <c:smooth val="0"/>
           <c:extLst>
             <c:ext xmlns:c16="http://schemas.microsoft.com/office/drawing/2014/chart" uri="{C3380CC4-5D6E-409C-BE32-E72D297353CC}">
-              <c16:uniqueId val="{00000002-709A-4749-90F8-8A9C58D95792}"/>
+              <c16:uniqueId val="{00000001-709A-4749-90F8-8A9C58D95792}"/>
             </c:ext>
           </c:extLst>
         </c:ser>
         <c:ser>
-          <c:idx val="3"/>
+          <c:idx val="0"/>
           <c:order val="3"/>
           <c:tx>
             <c:strRef>
@@ -860,7 +860,7 @@
               <c:strCache>
                 <c:ptCount val="1"/>
                 <c:pt idx="0">
-                  <c:v>FY2016</c:v>
+                  <c:v>FY16</c:v>
                 </c:pt>
               </c:strCache>
             </c:strRef>
@@ -893,7 +893,7 @@
               <c:extLst>
                 <c:ext xmlns:c15="http://schemas.microsoft.com/office/drawing/2012/chart" uri="{CE6537A1-D6FC-4f65-9D91-7224C49458BB}"/>
                 <c:ext xmlns:c16="http://schemas.microsoft.com/office/drawing/2014/chart" uri="{C3380CC4-5D6E-409C-BE32-E72D297353CC}">
-                  <c16:uniqueId val="{00000002-4B21-4DE2-9A2B-20D0D818C198}"/>
+                  <c16:uniqueId val="{00000007-709A-4749-90F8-8A9C58D95792}"/>
                 </c:ext>
               </c:extLst>
             </c:dLbl>
@@ -908,7 +908,7 @@
               <c:extLst>
                 <c:ext xmlns:c15="http://schemas.microsoft.com/office/drawing/2012/chart" uri="{CE6537A1-D6FC-4f65-9D91-7224C49458BB}"/>
                 <c:ext xmlns:c16="http://schemas.microsoft.com/office/drawing/2014/chart" uri="{C3380CC4-5D6E-409C-BE32-E72D297353CC}">
-                  <c16:uniqueId val="{00000001-4B21-4DE2-9A2B-20D0D818C198}"/>
+                  <c16:uniqueId val="{00000005-709A-4749-90F8-8A9C58D95792}"/>
                 </c:ext>
               </c:extLst>
             </c:dLbl>
@@ -972,7 +972,7 @@
             <c:numRef>
               <c:f>Sheet1!$A$2:$A$13</c:f>
               <c:numCache>
-                <c:formatCode>[$-409]mmmm\ yyyy;@</c:formatCode>
+                <c:formatCode>m/d/yyyy</c:formatCode>
                 <c:ptCount val="12"/>
                 <c:pt idx="0">
                   <c:v>43647</c:v>
@@ -1020,40 +1020,40 @@
                 <c:formatCode>General</c:formatCode>
                 <c:ptCount val="12"/>
                 <c:pt idx="0">
-                  <c:v>3200</c:v>
+                  <c:v>3456</c:v>
                 </c:pt>
                 <c:pt idx="1">
-                  <c:v>3200</c:v>
+                  <c:v>3055</c:v>
                 </c:pt>
                 <c:pt idx="2">
-                  <c:v>3200</c:v>
+                  <c:v>3524</c:v>
                 </c:pt>
                 <c:pt idx="3">
-                  <c:v>3200</c:v>
+                  <c:v>3945</c:v>
                 </c:pt>
                 <c:pt idx="4">
-                  <c:v>3200</c:v>
+                  <c:v>4123</c:v>
                 </c:pt>
                 <c:pt idx="5">
-                  <c:v>3200</c:v>
+                  <c:v>4236</c:v>
                 </c:pt>
                 <c:pt idx="6">
-                  <c:v>3200</c:v>
+                  <c:v>3290</c:v>
                 </c:pt>
                 <c:pt idx="7">
-                  <c:v>3200</c:v>
+                  <c:v>3278</c:v>
                 </c:pt>
                 <c:pt idx="8">
-                  <c:v>3200</c:v>
+                  <c:v>2891</c:v>
                 </c:pt>
                 <c:pt idx="9">
-                  <c:v>3200</c:v>
+                  <c:v>2900</c:v>
                 </c:pt>
                 <c:pt idx="10">
-                  <c:v>3200</c:v>
+                  <c:v>3372</c:v>
                 </c:pt>
                 <c:pt idx="11">
-                  <c:v>3200</c:v>
+                  <c:v>3293</c:v>
                 </c:pt>
               </c:numCache>
             </c:numRef>
@@ -1061,7 +1061,7 @@
           <c:smooth val="0"/>
           <c:extLst>
             <c:ext xmlns:c16="http://schemas.microsoft.com/office/drawing/2014/chart" uri="{C3380CC4-5D6E-409C-BE32-E72D297353CC}">
-              <c16:uniqueId val="{00000000-4B21-4DE2-9A2B-20D0D818C198}"/>
+              <c16:uniqueId val="{00000000-709A-4749-90F8-8A9C58D95792}"/>
             </c:ext>
           </c:extLst>
         </c:ser>
@@ -2090,7 +2090,7 @@
                 <a:solidFill>
                   <a:schemeClr val="bg1"/>
                 </a:solidFill>
-                <a:ln w="28575">
+                <a:ln w="19050">
                   <a:solidFill>
                     <a:schemeClr val="accent1"/>
                   </a:solidFill>
@@ -2779,16 +2779,15 @@
               <c:spPr>
                 <a:solidFill>
                   <a:schemeClr val="accent1">
-                    <a:lumMod val="60000"/>
-                    <a:lumOff val="40000"/>
-                    <a:alpha val="95000"/>
+                    <a:lumMod val="40000"/>
+                    <a:lumOff val="60000"/>
                   </a:schemeClr>
                 </a:solidFill>
-                <a:ln w="28575">
+                <a:ln w="19050">
                   <a:solidFill>
                     <a:schemeClr val="accent1">
-                      <a:lumMod val="60000"/>
-                      <a:lumOff val="40000"/>
+                      <a:lumMod val="40000"/>
+                      <a:lumOff val="60000"/>
                     </a:schemeClr>
                   </a:solidFill>
                 </a:ln>
@@ -4648,7 +4647,7 @@
           <a:p>
             <a:fld id="{1ED6B14A-890B-41B1-BF8F-0DE335D705D5}" type="datetimeFigureOut">
               <a:rPr lang="en-US" smtClean="0"/>
-              <a:t>7/30/2019</a:t>
+              <a:t>7/31/2019</a:t>
             </a:fld>
             <a:endParaRPr lang="en-US"/>
           </a:p>
@@ -4818,7 +4817,7 @@
           <a:p>
             <a:fld id="{1ED6B14A-890B-41B1-BF8F-0DE335D705D5}" type="datetimeFigureOut">
               <a:rPr lang="en-US" smtClean="0"/>
-              <a:t>7/30/2019</a:t>
+              <a:t>7/31/2019</a:t>
             </a:fld>
             <a:endParaRPr lang="en-US"/>
           </a:p>
@@ -4998,7 +4997,7 @@
           <a:p>
             <a:fld id="{1ED6B14A-890B-41B1-BF8F-0DE335D705D5}" type="datetimeFigureOut">
               <a:rPr lang="en-US" smtClean="0"/>
-              <a:t>7/30/2019</a:t>
+              <a:t>7/31/2019</a:t>
             </a:fld>
             <a:endParaRPr lang="en-US"/>
           </a:p>
@@ -5168,7 +5167,7 @@
           <a:p>
             <a:fld id="{1ED6B14A-890B-41B1-BF8F-0DE335D705D5}" type="datetimeFigureOut">
               <a:rPr lang="en-US" smtClean="0"/>
-              <a:t>7/30/2019</a:t>
+              <a:t>7/31/2019</a:t>
             </a:fld>
             <a:endParaRPr lang="en-US"/>
           </a:p>
@@ -5412,7 +5411,7 @@
           <a:p>
             <a:fld id="{1ED6B14A-890B-41B1-BF8F-0DE335D705D5}" type="datetimeFigureOut">
               <a:rPr lang="en-US" smtClean="0"/>
-              <a:t>7/30/2019</a:t>
+              <a:t>7/31/2019</a:t>
             </a:fld>
             <a:endParaRPr lang="en-US"/>
           </a:p>
@@ -5644,7 +5643,7 @@
           <a:p>
             <a:fld id="{1ED6B14A-890B-41B1-BF8F-0DE335D705D5}" type="datetimeFigureOut">
               <a:rPr lang="en-US" smtClean="0"/>
-              <a:t>7/30/2019</a:t>
+              <a:t>7/31/2019</a:t>
             </a:fld>
             <a:endParaRPr lang="en-US"/>
           </a:p>
@@ -6011,7 +6010,7 @@
           <a:p>
             <a:fld id="{1ED6B14A-890B-41B1-BF8F-0DE335D705D5}" type="datetimeFigureOut">
               <a:rPr lang="en-US" smtClean="0"/>
-              <a:t>7/30/2019</a:t>
+              <a:t>7/31/2019</a:t>
             </a:fld>
             <a:endParaRPr lang="en-US"/>
           </a:p>
@@ -6129,7 +6128,7 @@
           <a:p>
             <a:fld id="{1ED6B14A-890B-41B1-BF8F-0DE335D705D5}" type="datetimeFigureOut">
               <a:rPr lang="en-US" smtClean="0"/>
-              <a:t>7/30/2019</a:t>
+              <a:t>7/31/2019</a:t>
             </a:fld>
             <a:endParaRPr lang="en-US"/>
           </a:p>
@@ -6224,7 +6223,7 @@
           <a:p>
             <a:fld id="{1ED6B14A-890B-41B1-BF8F-0DE335D705D5}" type="datetimeFigureOut">
               <a:rPr lang="en-US" smtClean="0"/>
-              <a:t>7/30/2019</a:t>
+              <a:t>7/31/2019</a:t>
             </a:fld>
             <a:endParaRPr lang="en-US"/>
           </a:p>
@@ -6501,7 +6500,7 @@
           <a:p>
             <a:fld id="{1ED6B14A-890B-41B1-BF8F-0DE335D705D5}" type="datetimeFigureOut">
               <a:rPr lang="en-US" smtClean="0"/>
-              <a:t>7/30/2019</a:t>
+              <a:t>7/31/2019</a:t>
             </a:fld>
             <a:endParaRPr lang="en-US"/>
           </a:p>
@@ -6758,7 +6757,7 @@
           <a:p>
             <a:fld id="{1ED6B14A-890B-41B1-BF8F-0DE335D705D5}" type="datetimeFigureOut">
               <a:rPr lang="en-US" smtClean="0"/>
-              <a:t>7/30/2019</a:t>
+              <a:t>7/31/2019</a:t>
             </a:fld>
             <a:endParaRPr lang="en-US"/>
           </a:p>
@@ -6971,7 +6970,7 @@
           <a:p>
             <a:fld id="{1ED6B14A-890B-41B1-BF8F-0DE335D705D5}" type="datetimeFigureOut">
               <a:rPr lang="en-US" smtClean="0"/>
-              <a:t>7/30/2019</a:t>
+              <a:t>7/31/2019</a:t>
             </a:fld>
             <a:endParaRPr lang="en-US"/>
           </a:p>
@@ -7389,7 +7388,7 @@
           <p:nvPr>
             <p:extLst>
               <p:ext uri="{D42A27DB-BD31-4B8C-83A1-F6EECF244321}">
-                <p14:modId xmlns:p14="http://schemas.microsoft.com/office/powerpoint/2010/main" val="474228002"/>
+                <p14:modId xmlns:p14="http://schemas.microsoft.com/office/powerpoint/2010/main" val="1920972897"/>
               </p:ext>
             </p:extLst>
           </p:nvPr>
@@ -7447,7 +7446,7 @@
           <p:nvPr>
             <p:extLst>
               <p:ext uri="{D42A27DB-BD31-4B8C-83A1-F6EECF244321}">
-                <p14:modId xmlns:p14="http://schemas.microsoft.com/office/powerpoint/2010/main" val="1047716912"/>
+                <p14:modId xmlns:p14="http://schemas.microsoft.com/office/powerpoint/2010/main" val="2381648277"/>
               </p:ext>
             </p:extLst>
           </p:nvPr>

--- a/doc/chart_template.pptx
+++ b/doc/chart_template.pptx
@@ -116,7 +116,7 @@
 <file path=ppt/revisionInfo.xml><?xml version="1.0" encoding="utf-8"?>
 <p1510:revInfo xmlns:a="http://schemas.openxmlformats.org/drawingml/2006/main" xmlns:r="http://schemas.openxmlformats.org/officeDocument/2006/relationships" xmlns:p1510="http://schemas.microsoft.com/office/powerpoint/2015/10/main">
   <p1510:revLst>
-    <p1510:client id="{34C5BAA8-FE2E-441E-9BFF-C851BECEA749}" v="251" dt="2019-07-31T13:02:56.599"/>
+    <p1510:client id="{34C5BAA8-FE2E-441E-9BFF-C851BECEA749}" v="253" dt="2019-07-31T15:02:30.412"/>
   </p1510:revLst>
 </p1510:revInfo>
 </file>
@@ -126,7 +126,7 @@
   <pc:docChgLst>
     <pc:chgData name="Brian Gulbis" userId="8ed87ac563b1c39d" providerId="LiveId" clId="{34C5BAA8-FE2E-441E-9BFF-C851BECEA749}"/>
     <pc:docChg chg="addSld modSld">
-      <pc:chgData name="Brian Gulbis" userId="8ed87ac563b1c39d" providerId="LiveId" clId="{34C5BAA8-FE2E-441E-9BFF-C851BECEA749}" dt="2019-07-31T13:02:56.599" v="256"/>
+      <pc:chgData name="Brian Gulbis" userId="8ed87ac563b1c39d" providerId="LiveId" clId="{34C5BAA8-FE2E-441E-9BFF-C851BECEA749}" dt="2019-07-31T15:02:30.412" v="258" actId="692"/>
       <pc:docMkLst>
         <pc:docMk/>
       </pc:docMkLst>
@@ -146,13 +146,13 @@
         </pc:graphicFrameChg>
       </pc:sldChg>
       <pc:sldChg chg="addSp modSp add mod">
-        <pc:chgData name="Brian Gulbis" userId="8ed87ac563b1c39d" providerId="LiveId" clId="{34C5BAA8-FE2E-441E-9BFF-C851BECEA749}" dt="2019-07-31T12:47:50.721" v="197" actId="692"/>
+        <pc:chgData name="Brian Gulbis" userId="8ed87ac563b1c39d" providerId="LiveId" clId="{34C5BAA8-FE2E-441E-9BFF-C851BECEA749}" dt="2019-07-31T15:02:30.412" v="258" actId="692"/>
         <pc:sldMkLst>
           <pc:docMk/>
           <pc:sldMk cId="2647159856" sldId="257"/>
         </pc:sldMkLst>
         <pc:graphicFrameChg chg="add mod">
-          <ac:chgData name="Brian Gulbis" userId="8ed87ac563b1c39d" providerId="LiveId" clId="{34C5BAA8-FE2E-441E-9BFF-C851BECEA749}" dt="2019-07-31T12:47:50.721" v="197" actId="692"/>
+          <ac:chgData name="Brian Gulbis" userId="8ed87ac563b1c39d" providerId="LiveId" clId="{34C5BAA8-FE2E-441E-9BFF-C851BECEA749}" dt="2019-07-31T15:02:30.412" v="258" actId="692"/>
           <ac:graphicFrameMkLst>
             <pc:docMk/>
             <pc:sldMk cId="2647159856" sldId="257"/>
@@ -2779,15 +2779,15 @@
               <c:spPr>
                 <a:solidFill>
                   <a:schemeClr val="accent1">
-                    <a:lumMod val="40000"/>
-                    <a:lumOff val="60000"/>
+                    <a:lumMod val="60000"/>
+                    <a:lumOff val="40000"/>
                   </a:schemeClr>
                 </a:solidFill>
                 <a:ln w="19050">
                   <a:solidFill>
                     <a:schemeClr val="accent1">
-                      <a:lumMod val="40000"/>
-                      <a:lumOff val="60000"/>
+                      <a:lumMod val="60000"/>
+                      <a:lumOff val="40000"/>
                     </a:schemeClr>
                   </a:solidFill>
                 </a:ln>
@@ -7446,7 +7446,7 @@
           <p:nvPr>
             <p:extLst>
               <p:ext uri="{D42A27DB-BD31-4B8C-83A1-F6EECF244321}">
-                <p14:modId xmlns:p14="http://schemas.microsoft.com/office/powerpoint/2010/main" val="2381648277"/>
+                <p14:modId xmlns:p14="http://schemas.microsoft.com/office/powerpoint/2010/main" val="315653492"/>
               </p:ext>
             </p:extLst>
           </p:nvPr>

--- a/doc/chart_template.pptx
+++ b/doc/chart_template.pptx
@@ -116,7 +116,7 @@
 <file path=ppt/revisionInfo.xml><?xml version="1.0" encoding="utf-8"?>
 <p1510:revInfo xmlns:a="http://schemas.openxmlformats.org/drawingml/2006/main" xmlns:r="http://schemas.openxmlformats.org/officeDocument/2006/relationships" xmlns:p1510="http://schemas.microsoft.com/office/powerpoint/2015/10/main">
   <p1510:revLst>
-    <p1510:client id="{34C5BAA8-FE2E-441E-9BFF-C851BECEA749}" v="253" dt="2019-07-31T15:02:30.412"/>
+    <p1510:client id="{34C5BAA8-FE2E-441E-9BFF-C851BECEA749}" v="272" dt="2019-08-01T01:34:41.718"/>
   </p1510:revLst>
 </p1510:revInfo>
 </file>
@@ -126,18 +126,18 @@
   <pc:docChgLst>
     <pc:chgData name="Brian Gulbis" userId="8ed87ac563b1c39d" providerId="LiveId" clId="{34C5BAA8-FE2E-441E-9BFF-C851BECEA749}"/>
     <pc:docChg chg="addSld modSld">
-      <pc:chgData name="Brian Gulbis" userId="8ed87ac563b1c39d" providerId="LiveId" clId="{34C5BAA8-FE2E-441E-9BFF-C851BECEA749}" dt="2019-07-31T15:02:30.412" v="258" actId="692"/>
+      <pc:chgData name="Brian Gulbis" userId="8ed87ac563b1c39d" providerId="LiveId" clId="{34C5BAA8-FE2E-441E-9BFF-C851BECEA749}" dt="2019-08-01T01:34:41.718" v="277" actId="403"/>
       <pc:docMkLst>
         <pc:docMk/>
       </pc:docMkLst>
       <pc:sldChg chg="modSp mod">
-        <pc:chgData name="Brian Gulbis" userId="8ed87ac563b1c39d" providerId="LiveId" clId="{34C5BAA8-FE2E-441E-9BFF-C851BECEA749}" dt="2019-07-31T13:02:56.599" v="256"/>
+        <pc:chgData name="Brian Gulbis" userId="8ed87ac563b1c39d" providerId="LiveId" clId="{34C5BAA8-FE2E-441E-9BFF-C851BECEA749}" dt="2019-08-01T01:33:19.165" v="269" actId="404"/>
         <pc:sldMkLst>
           <pc:docMk/>
           <pc:sldMk cId="3291821820" sldId="256"/>
         </pc:sldMkLst>
         <pc:graphicFrameChg chg="mod">
-          <ac:chgData name="Brian Gulbis" userId="8ed87ac563b1c39d" providerId="LiveId" clId="{34C5BAA8-FE2E-441E-9BFF-C851BECEA749}" dt="2019-07-31T13:02:56.599" v="256"/>
+          <ac:chgData name="Brian Gulbis" userId="8ed87ac563b1c39d" providerId="LiveId" clId="{34C5BAA8-FE2E-441E-9BFF-C851BECEA749}" dt="2019-08-01T01:33:19.165" v="269" actId="404"/>
           <ac:graphicFrameMkLst>
             <pc:docMk/>
             <pc:sldMk cId="3291821820" sldId="256"/>
@@ -146,13 +146,13 @@
         </pc:graphicFrameChg>
       </pc:sldChg>
       <pc:sldChg chg="addSp modSp add mod">
-        <pc:chgData name="Brian Gulbis" userId="8ed87ac563b1c39d" providerId="LiveId" clId="{34C5BAA8-FE2E-441E-9BFF-C851BECEA749}" dt="2019-07-31T15:02:30.412" v="258" actId="692"/>
+        <pc:chgData name="Brian Gulbis" userId="8ed87ac563b1c39d" providerId="LiveId" clId="{34C5BAA8-FE2E-441E-9BFF-C851BECEA749}" dt="2019-08-01T01:34:41.718" v="277" actId="403"/>
         <pc:sldMkLst>
           <pc:docMk/>
           <pc:sldMk cId="2647159856" sldId="257"/>
         </pc:sldMkLst>
         <pc:graphicFrameChg chg="add mod">
-          <ac:chgData name="Brian Gulbis" userId="8ed87ac563b1c39d" providerId="LiveId" clId="{34C5BAA8-FE2E-441E-9BFF-C851BECEA749}" dt="2019-07-31T15:02:30.412" v="258" actId="692"/>
+          <ac:chgData name="Brian Gulbis" userId="8ed87ac563b1c39d" providerId="LiveId" clId="{34C5BAA8-FE2E-441E-9BFF-C851BECEA749}" dt="2019-08-01T01:34:41.718" v="277" actId="403"/>
           <ac:graphicFrameMkLst>
             <pc:docMk/>
             <pc:sldMk cId="2647159856" sldId="257"/>
@@ -193,7 +193,7 @@
         <a:lstStyle/>
         <a:p>
           <a:pPr>
-            <a:defRPr sz="1862" b="0" i="0" u="none" strike="noStrike" kern="1200" spc="0" baseline="0">
+            <a:defRPr sz="2400" b="0" i="0" u="none" strike="noStrike" kern="1200" spc="0" baseline="0">
               <a:solidFill>
                 <a:schemeClr val="tx1">
                   <a:lumMod val="75000"/>
@@ -927,7 +927,7 @@
               <a:lstStyle/>
               <a:p>
                 <a:pPr>
-                  <a:defRPr sz="1197" b="0" i="0" u="none" strike="noStrike" kern="1200" baseline="0">
+                  <a:defRPr sz="1200" b="0" i="0" u="none" strike="noStrike" kern="1200" baseline="0">
                     <a:solidFill>
                       <a:schemeClr val="accent3">
                         <a:lumMod val="40000"/>
@@ -1106,7 +1106,7 @@
           <a:lstStyle/>
           <a:p>
             <a:pPr>
-              <a:defRPr sz="1197" b="0" i="0" u="none" strike="noStrike" kern="1200" baseline="0">
+              <a:defRPr sz="1400" b="0" i="0" u="none" strike="noStrike" kern="1200" baseline="0">
                 <a:solidFill>
                   <a:schemeClr val="tx1">
                     <a:lumMod val="50000"/>
@@ -1150,7 +1150,7 @@
             <a:lstStyle/>
             <a:p>
               <a:pPr>
-                <a:defRPr sz="1330" b="0" i="0" u="none" strike="noStrike" kern="1200" baseline="0">
+                <a:defRPr sz="1600" b="0" i="0" u="none" strike="noStrike" kern="1200" baseline="0">
                   <a:solidFill>
                     <a:schemeClr val="tx1">
                       <a:lumMod val="50000"/>
@@ -1182,7 +1182,7 @@
           <a:lstStyle/>
           <a:p>
             <a:pPr>
-              <a:defRPr sz="1197" b="0" i="0" u="none" strike="noStrike" kern="1200" baseline="0">
+              <a:defRPr sz="1400" b="0" i="0" u="none" strike="noStrike" kern="1200" baseline="0">
                 <a:solidFill>
                   <a:schemeClr val="tx1">
                     <a:lumMod val="50000"/>
@@ -1271,7 +1271,7 @@
         <a:lstStyle/>
         <a:p>
           <a:pPr>
-            <a:defRPr sz="1862" b="0" i="0" u="none" strike="noStrike" kern="1200" spc="0" baseline="0">
+            <a:defRPr sz="2400" b="0" i="0" u="none" strike="noStrike" kern="1200" spc="0" baseline="0">
               <a:solidFill>
                 <a:schemeClr val="tx1">
                   <a:lumMod val="75000"/>
@@ -3266,7 +3266,7 @@
           <a:lstStyle/>
           <a:p>
             <a:pPr>
-              <a:defRPr sz="1197" b="0" i="0" u="none" strike="noStrike" kern="1200" baseline="0">
+              <a:defRPr sz="1400" b="0" i="0" u="none" strike="noStrike" kern="1200" baseline="0">
                 <a:solidFill>
                   <a:schemeClr val="tx1">
                     <a:lumMod val="50000"/>
@@ -3311,7 +3311,7 @@
             <a:lstStyle/>
             <a:p>
               <a:pPr>
-                <a:defRPr sz="1330" b="0" i="0" u="none" strike="noStrike" kern="1200" baseline="0">
+                <a:defRPr sz="1600" b="0" i="0" u="none" strike="noStrike" kern="1200" baseline="0">
                   <a:solidFill>
                     <a:schemeClr val="tx1">
                       <a:lumMod val="50000"/>
@@ -3343,7 +3343,7 @@
           <a:lstStyle/>
           <a:p>
             <a:pPr>
-              <a:defRPr sz="1197" b="0" i="0" u="none" strike="noStrike" kern="1200" baseline="0">
+              <a:defRPr sz="1400" b="0" i="0" u="none" strike="noStrike" kern="1200" baseline="0">
                 <a:solidFill>
                   <a:schemeClr val="tx1">
                     <a:lumMod val="50000"/>
@@ -7388,7 +7388,7 @@
           <p:nvPr>
             <p:extLst>
               <p:ext uri="{D42A27DB-BD31-4B8C-83A1-F6EECF244321}">
-                <p14:modId xmlns:p14="http://schemas.microsoft.com/office/powerpoint/2010/main" val="1920972897"/>
+                <p14:modId xmlns:p14="http://schemas.microsoft.com/office/powerpoint/2010/main" val="4282803991"/>
               </p:ext>
             </p:extLst>
           </p:nvPr>
@@ -7446,7 +7446,7 @@
           <p:nvPr>
             <p:extLst>
               <p:ext uri="{D42A27DB-BD31-4B8C-83A1-F6EECF244321}">
-                <p14:modId xmlns:p14="http://schemas.microsoft.com/office/powerpoint/2010/main" val="315653492"/>
+                <p14:modId xmlns:p14="http://schemas.microsoft.com/office/powerpoint/2010/main" val="2058682408"/>
               </p:ext>
             </p:extLst>
           </p:nvPr>
